--- a/Courses/Software-Sciences/Module-4-Information-Systems-New/08-Navigation-between-tables/08-Navigation-between-tables.pptx
+++ b/Courses/Software-Sciences/Module-4-Information-Systems-New/08-Navigation-between-tables/08-Navigation-between-tables.pptx
@@ -5,10 +5,10 @@
     <p:sldMasterId id="2147483675" r:id="rId1"/>
   </p:sldMasterIdLst>
   <p:notesMasterIdLst>
-    <p:notesMasterId r:id="rId34"/>
+    <p:notesMasterId r:id="rId35"/>
   </p:notesMasterIdLst>
   <p:handoutMasterIdLst>
-    <p:handoutMasterId r:id="rId35"/>
+    <p:handoutMasterId r:id="rId36"/>
   </p:handoutMasterIdLst>
   <p:sldIdLst>
     <p:sldId id="503" r:id="rId2"/>
@@ -40,9 +40,10 @@
     <p:sldId id="755" r:id="rId28"/>
     <p:sldId id="759" r:id="rId29"/>
     <p:sldId id="756" r:id="rId30"/>
-    <p:sldId id="633" r:id="rId31"/>
-    <p:sldId id="504" r:id="rId32"/>
-    <p:sldId id="505" r:id="rId33"/>
+    <p:sldId id="760" r:id="rId31"/>
+    <p:sldId id="633" r:id="rId32"/>
+    <p:sldId id="504" r:id="rId33"/>
+    <p:sldId id="505" r:id="rId34"/>
   </p:sldIdLst>
   <p:sldSz cx="12192000" cy="6858000"/>
   <p:notesSz cx="6858000" cy="9144000"/>
@@ -199,6 +200,7 @@
             <p14:sldId id="755"/>
             <p14:sldId id="759"/>
             <p14:sldId id="756"/>
+            <p14:sldId id="760"/>
           </p14:sldIdLst>
         </p14:section>
         <p14:section name="Заключение" id="{E19D07F1-86E2-47E9-B2AB-7ADC4F89DC12}">
@@ -325,7 +327,7 @@
           <a:p>
             <a:fld id="{4E087215-0C8F-4762-A664-737A353EC9A4}" type="datetimeFigureOut">
               <a:rPr lang="bg-BG" smtClean="0"/>
-              <a:t>30.05.24 г.</a:t>
+              <a:t>6.06.24 г.</a:t>
             </a:fld>
             <a:endParaRPr lang="bg-BG"/>
           </a:p>
@@ -521,7 +523,7 @@
           <a:p>
             <a:fld id="{72D84649-876A-46C9-8472-14CB09C070D8}" type="datetimeFigureOut">
               <a:rPr lang="en-US" smtClean="0"/>
-              <a:t>5/30/24</a:t>
+              <a:t>6/6/24</a:t>
             </a:fld>
             <a:endParaRPr lang="en-US"/>
           </a:p>
@@ -1121,7 +1123,7 @@
             <a:fld id="{3EBA5BD7-F043-4D1B-AA17-CD412FC534DE}" type="slidenum">
               <a:rPr lang="en-US" smtClean="0"/>
               <a:pPr/>
-              <a:t>31</a:t>
+              <a:t>32</a:t>
             </a:fld>
             <a:endParaRPr lang="en-US" dirty="0"/>
           </a:p>
@@ -1351,7 +1353,7 @@
             <a:fld id="{3EBA5BD7-F043-4D1B-AA17-CD412FC534DE}" type="slidenum">
               <a:rPr lang="en-US" smtClean="0"/>
               <a:pPr/>
-              <a:t>32</a:t>
+              <a:t>33</a:t>
             </a:fld>
             <a:endParaRPr lang="en-US" dirty="0"/>
           </a:p>
@@ -3203,7 +3205,7 @@
             <a:fld id="{3EBA5BD7-F043-4D1B-AA17-CD412FC534DE}" type="slidenum">
               <a:rPr lang="en-US" smtClean="0"/>
               <a:pPr/>
-              <a:t>30</a:t>
+              <a:t>31</a:t>
             </a:fld>
             <a:endParaRPr lang="en-US" dirty="0"/>
           </a:p>
@@ -8495,7 +8497,7 @@
           <a:p>
             <a:r>
               <a:rPr lang="en-US" sz="4400" dirty="0"/>
-              <a:t>Master-detail </a:t>
+              <a:t>Master-Detail </a:t>
             </a:r>
             <a:r>
               <a:rPr lang="bg-BG" sz="4400" dirty="0"/>
@@ -8596,12 +8598,12 @@
               </a:ext>
             </a:extLst>
           </a:blip>
-          <a:srcRect/>
+          <a:srcRect t="684" b="684"/>
           <a:stretch/>
         </p:blipFill>
         <p:spPr>
           <a:xfrm>
-            <a:off x="5811216" y="2637832"/>
+            <a:off x="5621536" y="2583415"/>
             <a:ext cx="5844291" cy="2802652"/>
           </a:xfrm>
           <a:prstGeom prst="rect">
@@ -14132,6 +14134,41 @@
           </a:p>
         </p:txBody>
       </p:sp>
+      <p:pic>
+        <p:nvPicPr>
+          <p:cNvPr id="3" name="Picture 2">
+            <a:extLst>
+              <a:ext uri="{FF2B5EF4-FFF2-40B4-BE49-F238E27FC236}">
+                <a16:creationId xmlns:a16="http://schemas.microsoft.com/office/drawing/2014/main" id="{3C4B79B1-1C60-F214-C7F3-D0616810E28A}"/>
+              </a:ext>
+            </a:extLst>
+          </p:cNvPr>
+          <p:cNvPicPr>
+            <a:picLocks noChangeAspect="1"/>
+          </p:cNvPicPr>
+          <p:nvPr/>
+        </p:nvPicPr>
+        <p:blipFill>
+          <a:blip r:embed="rId3">
+            <a:extLst>
+              <a:ext uri="{28A0092B-C50C-407E-A947-70E740481C1C}">
+                <a14:useLocalDpi xmlns:a14="http://schemas.microsoft.com/office/drawing/2010/main" val="0"/>
+              </a:ext>
+            </a:extLst>
+          </a:blip>
+          <a:srcRect/>
+          <a:stretch/>
+        </p:blipFill>
+        <p:spPr>
+          <a:xfrm>
+            <a:off x="4776380" y="1224000"/>
+            <a:ext cx="2639240" cy="2639240"/>
+          </a:xfrm>
+          <a:prstGeom prst="rect">
+            <a:avLst/>
+          </a:prstGeom>
+        </p:spPr>
+      </p:pic>
     </p:spTree>
     <p:extLst>
       <p:ext uri="{BB962C8B-B14F-4D97-AF65-F5344CB8AC3E}">
@@ -15920,13 +15957,12 @@
               </a:ext>
             </a:extLst>
           </a:blip>
-          <a:stretch>
-            <a:fillRect/>
-          </a:stretch>
+          <a:srcRect t="49" b="49"/>
+          <a:stretch/>
         </p:blipFill>
         <p:spPr>
           <a:xfrm>
-            <a:off x="2161747" y="815509"/>
+            <a:off x="2161747" y="839754"/>
             <a:ext cx="7868505" cy="3773372"/>
           </a:xfrm>
           <a:prstGeom prst="rect">
@@ -16232,14 +16268,13 @@
               </a:ext>
             </a:extLst>
           </a:blip>
-          <a:stretch>
-            <a:fillRect/>
-          </a:stretch>
+          <a:srcRect/>
+          <a:stretch/>
         </p:blipFill>
         <p:spPr>
           <a:xfrm>
-            <a:off x="4737642" y="2889000"/>
-            <a:ext cx="7015388" cy="3405279"/>
+            <a:off x="4737642" y="2895824"/>
+            <a:ext cx="7015388" cy="3391630"/>
           </a:xfrm>
           <a:prstGeom prst="rect">
             <a:avLst/>
@@ -16837,20 +16872,60 @@
                 <a:latin typeface="Consolas" panose="020B0609020204030204" pitchFamily="49" charset="0"/>
                 <a:cs typeface="Consolas" panose="020B0609020204030204" pitchFamily="49" charset="0"/>
               </a:rPr>
-              <a:t>dataGridViewCountries -&gt; Country</a:t>
-            </a:r>
-          </a:p>
-          <a:p>
-            <a:pPr lvl="1"/>
-            <a:r>
-              <a:rPr lang="en-GB" sz="2600" b="1" dirty="0">
+              <a:t>dataGridViewCountries </a:t>
+            </a:r>
+            <a:r>
+              <a:rPr lang="en-US" sz="3000" dirty="0">
                 <a:solidFill>
                   <a:schemeClr val="bg1"/>
                 </a:solidFill>
                 <a:latin typeface="Consolas" panose="020B0609020204030204" pitchFamily="49" charset="0"/>
                 <a:cs typeface="Consolas" panose="020B0609020204030204" pitchFamily="49" charset="0"/>
-              </a:rPr>
-              <a:t>dataGridViewTowns -&gt; Town</a:t>
+                <a:sym typeface="Wingdings" panose="05000000000000000000" pitchFamily="2" charset="2"/>
+              </a:rPr>
+              <a:t></a:t>
+            </a:r>
+            <a:r>
+              <a:rPr lang="en-US" sz="2600" b="1" dirty="0">
+                <a:solidFill>
+                  <a:schemeClr val="bg1"/>
+                </a:solidFill>
+                <a:latin typeface="Consolas" panose="020B0609020204030204" pitchFamily="49" charset="0"/>
+                <a:cs typeface="Consolas" panose="020B0609020204030204" pitchFamily="49" charset="0"/>
+              </a:rPr>
+              <a:t> Country</a:t>
+            </a:r>
+          </a:p>
+          <a:p>
+            <a:pPr lvl="1"/>
+            <a:r>
+              <a:rPr lang="en-GB" sz="2600" b="1" dirty="0">
+                <a:solidFill>
+                  <a:schemeClr val="bg1"/>
+                </a:solidFill>
+                <a:latin typeface="Consolas" panose="020B0609020204030204" pitchFamily="49" charset="0"/>
+                <a:cs typeface="Consolas" panose="020B0609020204030204" pitchFamily="49" charset="0"/>
+              </a:rPr>
+              <a:t>dataGridViewTowns </a:t>
+            </a:r>
+            <a:r>
+              <a:rPr lang="en-US" sz="2800" dirty="0">
+                <a:solidFill>
+                  <a:schemeClr val="bg1"/>
+                </a:solidFill>
+                <a:sym typeface="Wingdings" panose="05000000000000000000" pitchFamily="2" charset="2"/>
+              </a:rPr>
+              <a:t></a:t>
+            </a:r>
+            <a:r>
+              <a:rPr lang="en-GB" sz="2600" b="1" dirty="0">
+                <a:solidFill>
+                  <a:schemeClr val="bg1"/>
+                </a:solidFill>
+                <a:latin typeface="Consolas" panose="020B0609020204030204" pitchFamily="49" charset="0"/>
+                <a:cs typeface="Consolas" panose="020B0609020204030204" pitchFamily="49" charset="0"/>
+              </a:rPr>
+              <a:t> Town</a:t>
             </a:r>
           </a:p>
           <a:p>
@@ -16951,8 +17026,8 @@
         </p:blipFill>
         <p:spPr>
           <a:xfrm>
-            <a:off x="7449037" y="1281824"/>
-            <a:ext cx="4325372" cy="3740175"/>
+            <a:off x="7365771" y="1281824"/>
+            <a:ext cx="4408638" cy="3812176"/>
           </a:xfrm>
           <a:prstGeom prst="rect">
             <a:avLst/>
@@ -17515,7 +17590,7 @@
         <p:spPr bwMode="auto">
           <a:xfrm>
             <a:off x="627830" y="2635736"/>
-            <a:ext cx="11125200" cy="2649544"/>
+            <a:ext cx="11125200" cy="2926543"/>
           </a:xfrm>
           <a:prstGeom prst="rect">
             <a:avLst/>
@@ -17622,7 +17697,7 @@
                 <a:latin typeface="Consolas" pitchFamily="49" charset="0"/>
                 <a:cs typeface="Consolas" pitchFamily="49" charset="0"/>
               </a:rPr>
-              <a:t>int countryId = (int)dataGridViewCountries.CurrentRow.Cells["CountryId"].Value; </a:t>
+              <a:t>int countryId = (int)this.dataGridViewCountries.CurrentRow.Cells["CountryId"].Value; </a:t>
             </a:r>
             <a:endParaRPr lang="bg-BG" b="1" noProof="1">
               <a:latin typeface="Consolas" pitchFamily="49" charset="0"/>
@@ -17972,19 +18047,19 @@
           <a:lstStyle/>
           <a:p>
             <a:r>
-              <a:rPr lang="bg-BG" sz="3200" dirty="0"/>
+              <a:rPr lang="bg-BG" sz="2600" dirty="0"/>
               <a:t>Добавяме </a:t>
             </a:r>
             <a:r>
-              <a:rPr lang="bg-BG" sz="3200" b="1" dirty="0"/>
+              <a:rPr lang="bg-BG" sz="2600" b="1" dirty="0"/>
               <a:t>метод-обработчик</a:t>
             </a:r>
             <a:r>
-              <a:rPr lang="bg-BG" sz="3200" dirty="0"/>
+              <a:rPr lang="bg-BG" sz="2600" dirty="0"/>
               <a:t> при </a:t>
             </a:r>
             <a:r>
-              <a:rPr lang="en-US" sz="3200" b="1" dirty="0">
+              <a:rPr lang="en-US" sz="2600" b="1" dirty="0">
                 <a:solidFill>
                   <a:schemeClr val="bg1"/>
                 </a:solidFill>
@@ -17993,7 +18068,28 @@
               </a:rPr>
               <a:t>TextChanged</a:t>
             </a:r>
-            <a:endParaRPr lang="bg-BG" sz="3200" b="1" dirty="0">
+            <a:r>
+              <a:rPr lang="en-US" sz="2600" b="1" dirty="0">
+                <a:solidFill>
+                  <a:schemeClr val="bg1"/>
+                </a:solidFill>
+                <a:latin typeface="Calibri" panose="020F0502020204030204" pitchFamily="34" charset="0"/>
+                <a:cs typeface="Calibri" panose="020F0502020204030204" pitchFamily="34" charset="0"/>
+              </a:rPr>
+              <a:t> </a:t>
+            </a:r>
+            <a:r>
+              <a:rPr lang="bg-BG" sz="2600" dirty="0"/>
+              <a:t>на </a:t>
+            </a:r>
+            <a:r>
+              <a:rPr lang="en-US" sz="2600" b="1" dirty="0"/>
+              <a:t>textBoxFilter</a:t>
+            </a:r>
+            <a:endParaRPr lang="bg-BG" sz="2600" b="1" dirty="0"/>
+          </a:p>
+          <a:p>
+            <a:endParaRPr lang="bg-BG" sz="2800" b="1" dirty="0">
               <a:solidFill>
                 <a:schemeClr val="bg1"/>
               </a:solidFill>
@@ -18002,12 +18098,18 @@
             </a:endParaRPr>
           </a:p>
           <a:p>
-            <a:r>
-              <a:rPr lang="bg-BG" sz="3200" dirty="0"/>
+            <a:endParaRPr lang="bg-BG" sz="2600" dirty="0"/>
+          </a:p>
+          <a:p>
+            <a:endParaRPr lang="bg-BG" sz="2600" dirty="0"/>
+          </a:p>
+          <a:p>
+            <a:r>
+              <a:rPr lang="bg-BG" sz="2600" dirty="0"/>
               <a:t>Имплементираме </a:t>
             </a:r>
             <a:r>
-              <a:rPr lang="bg-BG" sz="3200" b="1" dirty="0">
+              <a:rPr lang="bg-BG" sz="2600" b="1" dirty="0">
                 <a:solidFill>
                   <a:schemeClr val="bg1"/>
                 </a:solidFill>
@@ -18015,14 +18117,14 @@
               <a:t>живо търсене </a:t>
             </a:r>
             <a:r>
-              <a:rPr lang="bg-BG" sz="3200" dirty="0"/>
+              <a:rPr lang="bg-BG" sz="2600" dirty="0"/>
               <a:t>по </a:t>
             </a:r>
             <a:r>
-              <a:rPr lang="bg-BG" sz="3200" b="1" dirty="0"/>
+              <a:rPr lang="bg-BG" sz="2600" b="1" dirty="0"/>
               <a:t>име</a:t>
             </a:r>
-            <a:endParaRPr lang="en-BG" sz="3200" b="1" dirty="0"/>
+            <a:endParaRPr lang="en-BG" sz="2600" b="1" dirty="0"/>
           </a:p>
         </p:txBody>
       </p:sp>
@@ -18071,8 +18173,8 @@
         </p:nvSpPr>
         <p:spPr bwMode="auto">
           <a:xfrm>
-            <a:off x="627830" y="2635736"/>
-            <a:ext cx="11125200" cy="3757540"/>
+            <a:off x="614003" y="3935190"/>
+            <a:ext cx="11125200" cy="2711100"/>
           </a:xfrm>
           <a:prstGeom prst="rect">
             <a:avLst/>
@@ -18114,7 +18216,7 @@
               <a:buNone/>
             </a:pPr>
             <a:r>
-              <a:rPr lang="en-US" sz="2000" b="1" noProof="1">
+              <a:rPr lang="en-US" sz="1600" b="1" noProof="1">
                 <a:latin typeface="Consolas" pitchFamily="49" charset="0"/>
                 <a:cs typeface="Consolas" pitchFamily="49" charset="0"/>
               </a:rPr>
@@ -18137,7 +18239,7 @@
               <a:buNone/>
             </a:pPr>
             <a:r>
-              <a:rPr lang="en-US" sz="2000" b="1" noProof="1">
+              <a:rPr lang="en-US" sz="1600" b="1" noProof="1">
                 <a:latin typeface="Consolas" pitchFamily="49" charset="0"/>
                 <a:cs typeface="Consolas" pitchFamily="49" charset="0"/>
               </a:rPr>
@@ -18160,11 +18262,11 @@
               <a:buNone/>
             </a:pPr>
             <a:r>
-              <a:rPr lang="en-US" sz="2000" b="1" noProof="1">
+              <a:rPr lang="en-US" sz="1600" b="1" noProof="1">
                 <a:latin typeface="Consolas" pitchFamily="49" charset="0"/>
                 <a:cs typeface="Consolas" pitchFamily="49" charset="0"/>
               </a:rPr>
-              <a:t>    string filterText = textBoxFilter.Text.ToLower();</a:t>
+              <a:t>    var filterText = textBoxFilter.Text.ToLower();</a:t>
             </a:r>
           </a:p>
           <a:p>
@@ -18183,11 +18285,25 @@
               <a:buNone/>
             </a:pPr>
             <a:r>
-              <a:rPr lang="en-US" sz="2000" b="1" noProof="1">
+              <a:rPr lang="en-US" sz="1600" b="1" noProof="1">
                 <a:latin typeface="Consolas" pitchFamily="49" charset="0"/>
                 <a:cs typeface="Consolas" pitchFamily="49" charset="0"/>
               </a:rPr>
-              <a:t>    var filteredCountries = this.dbContext.Countries</a:t>
+              <a:t>    var filteredCountries = this.dbContext.Countries.Where(c =&gt; </a:t>
+            </a:r>
+            <a:r>
+              <a:rPr lang="bg-BG" sz="1600" b="1" noProof="1">
+                <a:latin typeface="Consolas" pitchFamily="49" charset="0"/>
+                <a:cs typeface="Consolas" pitchFamily="49" charset="0"/>
+              </a:rPr>
+              <a:t>				</a:t>
+            </a:r>
+            <a:r>
+              <a:rPr lang="en-US" sz="1600" b="1" noProof="1">
+                <a:latin typeface="Consolas" pitchFamily="49" charset="0"/>
+                <a:cs typeface="Consolas" pitchFamily="49" charset="0"/>
+              </a:rPr>
+              <a:t>c.CountryName.ToLower().Contains(filterText)).ToList();</a:t>
             </a:r>
           </a:p>
           <a:p>
@@ -18206,11 +18322,11 @@
               <a:buNone/>
             </a:pPr>
             <a:r>
-              <a:rPr lang="en-US" sz="2000" b="1" noProof="1">
+              <a:rPr lang="en-US" sz="1600" b="1" noProof="1">
                 <a:latin typeface="Consolas" pitchFamily="49" charset="0"/>
                 <a:cs typeface="Consolas" pitchFamily="49" charset="0"/>
               </a:rPr>
-              <a:t>        .Where(c =&gt; c.CountryName.ToLower().Contains(filterText))</a:t>
+              <a:t>    this.dataGridViewCountries.DataSource = filteredCountries;</a:t>
             </a:r>
           </a:p>
           <a:p>
@@ -18229,61 +18345,58 @@
               <a:buNone/>
             </a:pPr>
             <a:r>
-              <a:rPr lang="en-US" sz="2000" b="1" noProof="1">
+              <a:rPr lang="en-US" sz="1600" b="1" noProof="1">
                 <a:latin typeface="Consolas" pitchFamily="49" charset="0"/>
                 <a:cs typeface="Consolas" pitchFamily="49" charset="0"/>
               </a:rPr>
-              <a:t>        .ToList();</a:t>
-            </a:r>
-          </a:p>
-          <a:p>
-            <a:pPr>
-              <a:spcBef>
-                <a:spcPts val="600"/>
-              </a:spcBef>
-              <a:spcAft>
-                <a:spcPts val="600"/>
-              </a:spcAft>
-              <a:buClr>
-                <a:srgbClr val="F2B254"/>
-              </a:buClr>
-              <a:buSzPct val="100000"/>
-              <a:buFont typeface="Wingdings" panose="05000000000000000000" pitchFamily="2" charset="2"/>
-              <a:buNone/>
-            </a:pPr>
-            <a:r>
-              <a:rPr lang="en-US" sz="2000" b="1" noProof="1">
-                <a:latin typeface="Consolas" pitchFamily="49" charset="0"/>
-                <a:cs typeface="Consolas" pitchFamily="49" charset="0"/>
-              </a:rPr>
-              <a:t>    this.dataGridViewCountries.DataSource = filteredCountries;</a:t>
-            </a:r>
-          </a:p>
-          <a:p>
-            <a:pPr>
-              <a:spcBef>
-                <a:spcPts val="600"/>
-              </a:spcBef>
-              <a:spcAft>
-                <a:spcPts val="600"/>
-              </a:spcAft>
-              <a:buClr>
-                <a:srgbClr val="F2B254"/>
-              </a:buClr>
-              <a:buSzPct val="100000"/>
-              <a:buFont typeface="Wingdings" panose="05000000000000000000" pitchFamily="2" charset="2"/>
-              <a:buNone/>
-            </a:pPr>
-            <a:r>
-              <a:rPr lang="en-US" sz="2000" b="1" noProof="1">
-                <a:latin typeface="Consolas" pitchFamily="49" charset="0"/>
-                <a:cs typeface="Consolas" pitchFamily="49" charset="0"/>
-              </a:rPr>
               <a:t>}</a:t>
             </a:r>
           </a:p>
         </p:txBody>
       </p:sp>
+      <p:pic>
+        <p:nvPicPr>
+          <p:cNvPr id="7" name="Picture 6">
+            <a:extLst>
+              <a:ext uri="{FF2B5EF4-FFF2-40B4-BE49-F238E27FC236}">
+                <a16:creationId xmlns:a16="http://schemas.microsoft.com/office/drawing/2014/main" id="{37BAA3CC-5E0F-39C4-CEEE-056CBA1E4F0B}"/>
+              </a:ext>
+            </a:extLst>
+          </p:cNvPr>
+          <p:cNvPicPr>
+            <a:picLocks noChangeAspect="1"/>
+          </p:cNvPicPr>
+          <p:nvPr/>
+        </p:nvPicPr>
+        <p:blipFill>
+          <a:blip r:embed="rId2">
+            <a:extLst>
+              <a:ext uri="{28A0092B-C50C-407E-A947-70E740481C1C}">
+                <a14:useLocalDpi xmlns:a14="http://schemas.microsoft.com/office/drawing/2010/main" val="0"/>
+              </a:ext>
+            </a:extLst>
+          </a:blip>
+          <a:stretch>
+            <a:fillRect/>
+          </a:stretch>
+        </p:blipFill>
+        <p:spPr>
+          <a:xfrm>
+            <a:off x="614003" y="1748649"/>
+            <a:ext cx="4068592" cy="1634017"/>
+          </a:xfrm>
+          <a:prstGeom prst="rect">
+            <a:avLst/>
+          </a:prstGeom>
+          <a:ln>
+            <a:solidFill>
+              <a:schemeClr val="bg2">
+                <a:lumMod val="75000"/>
+              </a:schemeClr>
+            </a:solidFill>
+          </a:ln>
+        </p:spPr>
+      </p:pic>
     </p:spTree>
     <p:extLst>
       <p:ext uri="{BB962C8B-B14F-4D97-AF65-F5344CB8AC3E}">
@@ -18357,7 +18470,7 @@
                                 </p:cTn>
                               </p:par>
                               <p:par>
-                                <p:cTn id="7" presetID="1" presetClass="entr" presetSubtype="0" fill="hold" grpId="0" nodeType="withEffect">
+                                <p:cTn id="7" presetID="1" presetClass="entr" presetSubtype="0" fill="hold" nodeType="withEffect">
                                   <p:stCondLst>
                                     <p:cond delay="0"/>
                                   </p:stCondLst>
@@ -18370,7 +18483,7 @@
                                           </p:stCondLst>
                                         </p:cTn>
                                         <p:tgtEl>
-                                          <p:spTgt spid="5"/>
+                                          <p:spTgt spid="7"/>
                                         </p:tgtEl>
                                         <p:attrNameLst>
                                           <p:attrName>style.visibility</p:attrName>
@@ -18417,9 +18530,36 @@
                                         <p:tgtEl>
                                           <p:spTgt spid="3">
                                             <p:txEl>
-                                              <p:pRg st="1" end="1"/>
+                                              <p:pRg st="4" end="4"/>
                                             </p:txEl>
                                           </p:spTgt>
+                                        </p:tgtEl>
+                                        <p:attrNameLst>
+                                          <p:attrName>style.visibility</p:attrName>
+                                        </p:attrNameLst>
+                                      </p:cBhvr>
+                                      <p:to>
+                                        <p:strVal val="visible"/>
+                                      </p:to>
+                                    </p:set>
+                                  </p:childTnLst>
+                                </p:cTn>
+                              </p:par>
+                              <p:par>
+                                <p:cTn id="13" presetID="1" presetClass="entr" presetSubtype="0" fill="hold" grpId="0" nodeType="withEffect">
+                                  <p:stCondLst>
+                                    <p:cond delay="0"/>
+                                  </p:stCondLst>
+                                  <p:childTnLst>
+                                    <p:set>
+                                      <p:cBhvr>
+                                        <p:cTn id="14" dur="1" fill="hold">
+                                          <p:stCondLst>
+                                            <p:cond delay="0"/>
+                                          </p:stCondLst>
+                                        </p:cTn>
+                                        <p:tgtEl>
+                                          <p:spTgt spid="5"/>
                                         </p:tgtEl>
                                         <p:attrNameLst>
                                           <p:attrName>style.visibility</p:attrName>
@@ -18535,11 +18675,19 @@
           <a:lstStyle/>
           <a:p>
             <a:r>
-              <a:rPr lang="bg-BG" sz="3000" dirty="0"/>
-              <a:t>Добавяме опции в </a:t>
-            </a:r>
-            <a:r>
-              <a:rPr lang="en-US" sz="3000" b="1" dirty="0">
+              <a:rPr lang="bg-BG" sz="2600" dirty="0"/>
+              <a:t>Добавяме </a:t>
+            </a:r>
+            <a:r>
+              <a:rPr lang="bg-BG" sz="2600" b="1" dirty="0"/>
+              <a:t>опции</a:t>
+            </a:r>
+            <a:r>
+              <a:rPr lang="bg-BG" sz="2600" dirty="0"/>
+              <a:t> в </a:t>
+            </a:r>
+            <a:r>
+              <a:rPr lang="en-US" sz="2600" b="1" dirty="0">
                 <a:solidFill>
                   <a:schemeClr val="bg1"/>
                 </a:solidFill>
@@ -18549,39 +18697,54 @@
               <a:t>ComboBox</a:t>
             </a:r>
             <a:r>
-              <a:rPr lang="en-US" sz="3000" dirty="0"/>
+              <a:rPr lang="en-US" sz="2600" dirty="0"/>
               <a:t> </a:t>
             </a:r>
             <a:r>
-              <a:rPr lang="bg-BG" sz="3000" dirty="0"/>
+              <a:rPr lang="bg-BG" sz="2600" dirty="0"/>
               <a:t>за </a:t>
             </a:r>
             <a:r>
-              <a:rPr lang="bg-BG" sz="3000" b="1" dirty="0"/>
+              <a:rPr lang="bg-BG" sz="2600" b="1" dirty="0"/>
               <a:t>сортиране</a:t>
             </a:r>
-          </a:p>
-          <a:p>
-            <a:pPr lvl="1"/>
-            <a:r>
-              <a:rPr lang="bg-BG" sz="2800" dirty="0"/>
-              <a:t>Име</a:t>
-            </a:r>
-          </a:p>
-          <a:p>
-            <a:pPr lvl="1"/>
-            <a:r>
-              <a:rPr lang="en-US" sz="2800" dirty="0"/>
-              <a:t>Id</a:t>
-            </a:r>
-          </a:p>
-          <a:p>
-            <a:r>
-              <a:rPr lang="bg-BG" sz="3000" dirty="0"/>
-              <a:t>Добавяме метод обработчик при </a:t>
-            </a:r>
-            <a:r>
-              <a:rPr lang="en-US" sz="3000" b="1" dirty="0">
+            <a:endParaRPr lang="en-US" sz="2600" b="1" dirty="0"/>
+          </a:p>
+          <a:p>
+            <a:endParaRPr lang="en-US" sz="3000" b="1" dirty="0"/>
+          </a:p>
+          <a:p>
+            <a:endParaRPr lang="en-US" sz="2800" dirty="0"/>
+          </a:p>
+          <a:p>
+            <a:endParaRPr lang="en-US" sz="2800" dirty="0"/>
+          </a:p>
+          <a:p>
+            <a:endParaRPr lang="en-US" sz="2800" dirty="0"/>
+          </a:p>
+          <a:p>
+            <a:r>
+              <a:rPr lang="bg-BG" sz="2600" dirty="0"/>
+              <a:t>Добавяме </a:t>
+            </a:r>
+            <a:r>
+              <a:rPr lang="bg-BG" sz="2600" b="1" dirty="0"/>
+              <a:t>метод</a:t>
+            </a:r>
+            <a:r>
+              <a:rPr lang="en-US" sz="2600" b="1" dirty="0"/>
+              <a:t>-</a:t>
+            </a:r>
+            <a:r>
+              <a:rPr lang="bg-BG" sz="2600" b="1" dirty="0"/>
+              <a:t>обработчик </a:t>
+            </a:r>
+            <a:r>
+              <a:rPr lang="bg-BG" sz="2600" dirty="0"/>
+              <a:t>при </a:t>
+            </a:r>
+            <a:r>
+              <a:rPr lang="en-US" sz="2600" b="1" dirty="0">
                 <a:solidFill>
                   <a:schemeClr val="bg1"/>
                 </a:solidFill>
@@ -18590,7 +18753,32 @@
               </a:rPr>
               <a:t>SelectedIndexChanged</a:t>
             </a:r>
-            <a:endParaRPr lang="en-BG" sz="3000" b="1" dirty="0">
+            <a:r>
+              <a:rPr lang="en-US" sz="2600" b="1" dirty="0">
+                <a:solidFill>
+                  <a:schemeClr val="bg1"/>
+                </a:solidFill>
+                <a:cs typeface="Consolas" panose="020B0609020204030204" pitchFamily="49" charset="0"/>
+              </a:rPr>
+              <a:t> </a:t>
+            </a:r>
+            <a:r>
+              <a:rPr lang="bg-BG" sz="2600" dirty="0">
+                <a:cs typeface="Consolas" panose="020B0609020204030204" pitchFamily="49" charset="0"/>
+              </a:rPr>
+              <a:t>на </a:t>
+            </a:r>
+            <a:r>
+              <a:rPr lang="en-US" sz="2600" b="1" dirty="0">
+                <a:solidFill>
+                  <a:schemeClr val="bg1"/>
+                </a:solidFill>
+                <a:latin typeface="Consolas" panose="020B0609020204030204" pitchFamily="49" charset="0"/>
+                <a:cs typeface="Consolas" panose="020B0609020204030204" pitchFamily="49" charset="0"/>
+              </a:rPr>
+              <a:t>comboBoxSort</a:t>
+            </a:r>
+            <a:endParaRPr lang="en-BG" sz="2600" b="1" dirty="0">
               <a:solidFill>
                 <a:schemeClr val="bg1"/>
               </a:solidFill>
@@ -18650,7 +18838,7 @@
         </p:nvSpPr>
         <p:spPr bwMode="auto">
           <a:xfrm>
-            <a:off x="533400" y="3904883"/>
+            <a:off x="651000" y="4831211"/>
             <a:ext cx="11125200" cy="1756992"/>
           </a:xfrm>
           <a:prstGeom prst="rect">
@@ -18726,6 +18914,146 @@
               </a:rPr>
               <a:t> }</a:t>
             </a:r>
+          </a:p>
+        </p:txBody>
+      </p:sp>
+      <p:pic>
+        <p:nvPicPr>
+          <p:cNvPr id="7" name="Picture 6">
+            <a:extLst>
+              <a:ext uri="{FF2B5EF4-FFF2-40B4-BE49-F238E27FC236}">
+                <a16:creationId xmlns:a16="http://schemas.microsoft.com/office/drawing/2014/main" id="{0055C944-0BE7-015B-EBE8-50CF00AC7483}"/>
+              </a:ext>
+            </a:extLst>
+          </p:cNvPr>
+          <p:cNvPicPr>
+            <a:picLocks noChangeAspect="1"/>
+          </p:cNvPicPr>
+          <p:nvPr/>
+        </p:nvPicPr>
+        <p:blipFill>
+          <a:blip r:embed="rId2">
+            <a:extLst>
+              <a:ext uri="{28A0092B-C50C-407E-A947-70E740481C1C}">
+                <a14:useLocalDpi xmlns:a14="http://schemas.microsoft.com/office/drawing/2010/main" val="0"/>
+              </a:ext>
+            </a:extLst>
+          </a:blip>
+          <a:stretch>
+            <a:fillRect/>
+          </a:stretch>
+        </p:blipFill>
+        <p:spPr>
+          <a:xfrm>
+            <a:off x="651000" y="1854000"/>
+            <a:ext cx="3510000" cy="2324952"/>
+          </a:xfrm>
+          <a:prstGeom prst="rect">
+            <a:avLst/>
+          </a:prstGeom>
+          <a:ln>
+            <a:solidFill>
+              <a:schemeClr val="bg2">
+                <a:lumMod val="75000"/>
+              </a:schemeClr>
+            </a:solidFill>
+          </a:ln>
+        </p:spPr>
+      </p:pic>
+      <p:pic>
+        <p:nvPicPr>
+          <p:cNvPr id="9" name="Picture 8">
+            <a:extLst>
+              <a:ext uri="{FF2B5EF4-FFF2-40B4-BE49-F238E27FC236}">
+                <a16:creationId xmlns:a16="http://schemas.microsoft.com/office/drawing/2014/main" id="{439BA3A1-A7B3-BA00-FEE5-6EBA0F5366FE}"/>
+              </a:ext>
+            </a:extLst>
+          </p:cNvPr>
+          <p:cNvPicPr>
+            <a:picLocks noChangeAspect="1"/>
+          </p:cNvPicPr>
+          <p:nvPr/>
+        </p:nvPicPr>
+        <p:blipFill>
+          <a:blip r:embed="rId3">
+            <a:extLst>
+              <a:ext uri="{28A0092B-C50C-407E-A947-70E740481C1C}">
+                <a14:useLocalDpi xmlns:a14="http://schemas.microsoft.com/office/drawing/2010/main" val="0"/>
+              </a:ext>
+            </a:extLst>
+          </a:blip>
+          <a:stretch>
+            <a:fillRect/>
+          </a:stretch>
+        </p:blipFill>
+        <p:spPr>
+          <a:xfrm>
+            <a:off x="5781000" y="1776134"/>
+            <a:ext cx="3510000" cy="2402818"/>
+          </a:xfrm>
+          <a:prstGeom prst="rect">
+            <a:avLst/>
+          </a:prstGeom>
+          <a:ln>
+            <a:solidFill>
+              <a:schemeClr val="bg2">
+                <a:lumMod val="75000"/>
+              </a:schemeClr>
+            </a:solidFill>
+          </a:ln>
+        </p:spPr>
+      </p:pic>
+      <p:sp>
+        <p:nvSpPr>
+          <p:cNvPr id="10" name="Arrow: Right 10">
+            <a:extLst>
+              <a:ext uri="{FF2B5EF4-FFF2-40B4-BE49-F238E27FC236}">
+                <a16:creationId xmlns:a16="http://schemas.microsoft.com/office/drawing/2014/main" id="{59AA05FB-CB6E-08CA-2C46-9FA4677EE598}"/>
+              </a:ext>
+            </a:extLst>
+          </p:cNvPr>
+          <p:cNvSpPr/>
+          <p:nvPr/>
+        </p:nvSpPr>
+        <p:spPr>
+          <a:xfrm>
+            <a:off x="4521000" y="2754000"/>
+            <a:ext cx="994415" cy="542968"/>
+          </a:xfrm>
+          <a:prstGeom prst="rightArrow">
+            <a:avLst/>
+          </a:prstGeom>
+          <a:solidFill>
+            <a:schemeClr val="tx1"/>
+          </a:solidFill>
+          <a:ln>
+            <a:solidFill>
+              <a:schemeClr val="tx1"/>
+            </a:solidFill>
+          </a:ln>
+        </p:spPr>
+        <p:style>
+          <a:lnRef idx="2">
+            <a:schemeClr val="accent1">
+              <a:shade val="50000"/>
+            </a:schemeClr>
+          </a:lnRef>
+          <a:fillRef idx="1">
+            <a:schemeClr val="accent1"/>
+          </a:fillRef>
+          <a:effectRef idx="0">
+            <a:schemeClr val="accent1"/>
+          </a:effectRef>
+          <a:fontRef idx="minor">
+            <a:schemeClr val="lt1"/>
+          </a:fontRef>
+        </p:style>
+        <p:txBody>
+          <a:bodyPr rtlCol="0" anchor="ctr"/>
+          <a:lstStyle/>
+          <a:p>
+            <a:pPr algn="ctr"/>
+            <a:endParaRPr lang="en-US" sz="2799"/>
           </a:p>
         </p:txBody>
       </p:sp>
@@ -18815,38 +19143,7 @@
                                           </p:stCondLst>
                                         </p:cTn>
                                         <p:tgtEl>
-                                          <p:spTgt spid="3">
-                                            <p:txEl>
-                                              <p:pRg st="1" end="1"/>
-                                            </p:txEl>
-                                          </p:spTgt>
-                                        </p:tgtEl>
-                                        <p:attrNameLst>
-                                          <p:attrName>style.visibility</p:attrName>
-                                        </p:attrNameLst>
-                                      </p:cBhvr>
-                                      <p:to>
-                                        <p:strVal val="visible"/>
-                                      </p:to>
-                                    </p:set>
-                                  </p:childTnLst>
-                                </p:cTn>
-                              </p:par>
-                              <p:par>
-                                <p:cTn id="9" presetID="1" presetClass="entr" presetSubtype="0" fill="hold" grpId="0" nodeType="withEffect">
-                                  <p:stCondLst>
-                                    <p:cond delay="0"/>
-                                  </p:stCondLst>
-                                  <p:childTnLst>
-                                    <p:set>
-                                      <p:cBhvr>
-                                        <p:cTn id="10" dur="1" fill="hold">
-                                          <p:stCondLst>
-                                            <p:cond delay="0"/>
-                                          </p:stCondLst>
-                                        </p:cTn>
-                                        <p:tgtEl>
-                                          <p:spTgt spid="5"/>
+                                          <p:spTgt spid="7"/>
                                         </p:tgtEl>
                                         <p:attrNameLst>
                                           <p:attrName>style.visibility</p:attrName>
@@ -18866,19 +19163,46 @@
                     </p:cTn>
                   </p:par>
                   <p:par>
-                    <p:cTn id="11" fill="hold">
+                    <p:cTn id="9" fill="hold">
                       <p:stCondLst>
                         <p:cond delay="indefinite"/>
                       </p:stCondLst>
                       <p:childTnLst>
                         <p:par>
-                          <p:cTn id="12" fill="hold">
+                          <p:cTn id="10" fill="hold">
                             <p:stCondLst>
                               <p:cond delay="0"/>
                             </p:stCondLst>
                             <p:childTnLst>
                               <p:par>
-                                <p:cTn id="13" presetID="1" presetClass="entr" presetSubtype="0" fill="hold" nodeType="clickEffect">
+                                <p:cTn id="11" presetID="1" presetClass="entr" presetSubtype="0" fill="hold" grpId="0" nodeType="clickEffect">
+                                  <p:stCondLst>
+                                    <p:cond delay="0"/>
+                                  </p:stCondLst>
+                                  <p:childTnLst>
+                                    <p:set>
+                                      <p:cBhvr>
+                                        <p:cTn id="12" dur="1" fill="hold">
+                                          <p:stCondLst>
+                                            <p:cond delay="0"/>
+                                          </p:stCondLst>
+                                        </p:cTn>
+                                        <p:tgtEl>
+                                          <p:spTgt spid="10"/>
+                                        </p:tgtEl>
+                                        <p:attrNameLst>
+                                          <p:attrName>style.visibility</p:attrName>
+                                        </p:attrNameLst>
+                                      </p:cBhvr>
+                                      <p:to>
+                                        <p:strVal val="visible"/>
+                                      </p:to>
+                                    </p:set>
+                                  </p:childTnLst>
+                                </p:cTn>
+                              </p:par>
+                              <p:par>
+                                <p:cTn id="13" presetID="1" presetClass="entr" presetSubtype="0" fill="hold" nodeType="withEffect">
                                   <p:stCondLst>
                                     <p:cond delay="0"/>
                                   </p:stCondLst>
@@ -18891,11 +19215,7 @@
                                           </p:stCondLst>
                                         </p:cTn>
                                         <p:tgtEl>
-                                          <p:spTgt spid="3">
-                                            <p:txEl>
-                                              <p:pRg st="2" end="2"/>
-                                            </p:txEl>
-                                          </p:spTgt>
+                                          <p:spTgt spid="9"/>
                                         </p:tgtEl>
                                         <p:attrNameLst>
                                           <p:attrName>style.visibility</p:attrName>
@@ -18942,9 +19262,36 @@
                                         <p:tgtEl>
                                           <p:spTgt spid="3">
                                             <p:txEl>
-                                              <p:pRg st="3" end="3"/>
+                                              <p:pRg st="5" end="5"/>
                                             </p:txEl>
                                           </p:spTgt>
+                                        </p:tgtEl>
+                                        <p:attrNameLst>
+                                          <p:attrName>style.visibility</p:attrName>
+                                        </p:attrNameLst>
+                                      </p:cBhvr>
+                                      <p:to>
+                                        <p:strVal val="visible"/>
+                                      </p:to>
+                                    </p:set>
+                                  </p:childTnLst>
+                                </p:cTn>
+                              </p:par>
+                              <p:par>
+                                <p:cTn id="19" presetID="1" presetClass="entr" presetSubtype="0" fill="hold" grpId="0" nodeType="withEffect">
+                                  <p:stCondLst>
+                                    <p:cond delay="0"/>
+                                  </p:stCondLst>
+                                  <p:childTnLst>
+                                    <p:set>
+                                      <p:cBhvr>
+                                        <p:cTn id="20" dur="1" fill="hold">
+                                          <p:stCondLst>
+                                            <p:cond delay="0"/>
+                                          </p:stCondLst>
+                                        </p:cTn>
+                                        <p:tgtEl>
+                                          <p:spTgt spid="5"/>
                                         </p:tgtEl>
                                         <p:attrNameLst>
                                           <p:attrName>style.visibility</p:attrName>
@@ -18986,6 +19333,7 @@
     </p:tnLst>
     <p:bldLst>
       <p:bldP spid="5" grpId="0" animBg="1"/>
+      <p:bldP spid="10" grpId="0" animBg="1"/>
     </p:bldLst>
   </p:timing>
 </p:sld>
@@ -19590,12 +19938,18 @@
         </p:nvSpPr>
         <p:spPr/>
         <p:txBody>
-          <a:bodyPr/>
+          <a:bodyPr>
+            <a:normAutofit/>
+          </a:bodyPr>
           <a:lstStyle/>
           <a:p>
             <a:r>
               <a:rPr lang="bg-BG" dirty="0"/>
-              <a:t>Резултат</a:t>
+              <a:t>Резултат - </a:t>
+            </a:r>
+            <a:r>
+              <a:rPr lang="en-US" dirty="0"/>
+              <a:t>Master-Detail</a:t>
             </a:r>
             <a:endParaRPr lang="en-BG" dirty="0"/>
           </a:p>
@@ -19623,14 +19977,13 @@
               </a:ext>
             </a:extLst>
           </a:blip>
-          <a:stretch>
-            <a:fillRect/>
-          </a:stretch>
+          <a:srcRect/>
+          <a:stretch/>
         </p:blipFill>
         <p:spPr>
           <a:xfrm>
-            <a:off x="360173" y="2439000"/>
-            <a:ext cx="5558621" cy="2727068"/>
+            <a:off x="241817" y="2371442"/>
+            <a:ext cx="5314183" cy="2556444"/>
           </a:xfrm>
           <a:prstGeom prst="rect">
             <a:avLst/>
@@ -19666,14 +20019,545 @@
               </a:ext>
             </a:extLst>
           </a:blip>
+          <a:srcRect/>
+          <a:stretch/>
+        </p:blipFill>
+        <p:spPr>
+          <a:xfrm>
+            <a:off x="6622555" y="2371443"/>
+            <a:ext cx="5314182" cy="2556443"/>
+          </a:xfrm>
+          <a:prstGeom prst="rect">
+            <a:avLst/>
+          </a:prstGeom>
+          <a:ln>
+            <a:solidFill>
+              <a:schemeClr val="bg2">
+                <a:lumMod val="75000"/>
+              </a:schemeClr>
+            </a:solidFill>
+          </a:ln>
+        </p:spPr>
+      </p:pic>
+      <p:sp>
+        <p:nvSpPr>
+          <p:cNvPr id="5" name="Arrow: Right 10">
+            <a:extLst>
+              <a:ext uri="{FF2B5EF4-FFF2-40B4-BE49-F238E27FC236}">
+                <a16:creationId xmlns:a16="http://schemas.microsoft.com/office/drawing/2014/main" id="{926F2985-F717-53A8-7013-5D168C76376E}"/>
+              </a:ext>
+            </a:extLst>
+          </p:cNvPr>
+          <p:cNvSpPr/>
+          <p:nvPr/>
+        </p:nvSpPr>
+        <p:spPr>
+          <a:xfrm>
+            <a:off x="5706777" y="3416026"/>
+            <a:ext cx="765000" cy="542968"/>
+          </a:xfrm>
+          <a:prstGeom prst="rightArrow">
+            <a:avLst/>
+          </a:prstGeom>
+          <a:solidFill>
+            <a:schemeClr val="tx1"/>
+          </a:solidFill>
+          <a:ln>
+            <a:solidFill>
+              <a:schemeClr val="tx1"/>
+            </a:solidFill>
+          </a:ln>
+        </p:spPr>
+        <p:style>
+          <a:lnRef idx="2">
+            <a:schemeClr val="accent1">
+              <a:shade val="50000"/>
+            </a:schemeClr>
+          </a:lnRef>
+          <a:fillRef idx="1">
+            <a:schemeClr val="accent1"/>
+          </a:fillRef>
+          <a:effectRef idx="0">
+            <a:schemeClr val="accent1"/>
+          </a:effectRef>
+          <a:fontRef idx="minor">
+            <a:schemeClr val="lt1"/>
+          </a:fontRef>
+        </p:style>
+        <p:txBody>
+          <a:bodyPr rtlCol="0" anchor="ctr"/>
+          <a:lstStyle/>
+          <a:p>
+            <a:pPr algn="ctr"/>
+            <a:endParaRPr lang="en-US" sz="2799"/>
+          </a:p>
+        </p:txBody>
+      </p:sp>
+    </p:spTree>
+    <p:extLst>
+      <p:ext uri="{BB962C8B-B14F-4D97-AF65-F5344CB8AC3E}">
+        <p14:creationId xmlns:p14="http://schemas.microsoft.com/office/powerpoint/2010/main" val="2717270570"/>
+      </p:ext>
+    </p:extLst>
+  </p:cSld>
+  <p:clrMapOvr>
+    <a:masterClrMapping/>
+  </p:clrMapOvr>
+  <mc:AlternateContent xmlns:mc="http://schemas.openxmlformats.org/markup-compatibility/2006" xmlns:p14="http://schemas.microsoft.com/office/powerpoint/2010/main">
+    <mc:Choice Requires="p14">
+      <p:transition spd="slow" p14:dur="2000" advClick="0" advTm="5000"/>
+    </mc:Choice>
+    <mc:Fallback xmlns="">
+      <p:transition spd="slow" advClick="0" advTm="5000"/>
+    </mc:Fallback>
+  </mc:AlternateContent>
+  <p:timing>
+    <p:tnLst>
+      <p:par>
+        <p:cTn id="1" dur="indefinite" restart="never" nodeType="tmRoot">
+          <p:childTnLst>
+            <p:seq concurrent="1" nextAc="seek">
+              <p:cTn id="2" dur="indefinite" nodeType="mainSeq">
+                <p:childTnLst>
+                  <p:par>
+                    <p:cTn id="3" fill="hold">
+                      <p:stCondLst>
+                        <p:cond delay="indefinite"/>
+                        <p:cond evt="onBegin" delay="0">
+                          <p:tn val="2"/>
+                        </p:cond>
+                      </p:stCondLst>
+                      <p:childTnLst>
+                        <p:par>
+                          <p:cTn id="4" fill="hold">
+                            <p:stCondLst>
+                              <p:cond delay="0"/>
+                            </p:stCondLst>
+                            <p:childTnLst>
+                              <p:par>
+                                <p:cTn id="5" presetID="1" presetClass="entr" presetSubtype="0" fill="hold" nodeType="withEffect">
+                                  <p:stCondLst>
+                                    <p:cond delay="0"/>
+                                  </p:stCondLst>
+                                  <p:childTnLst>
+                                    <p:set>
+                                      <p:cBhvr>
+                                        <p:cTn id="6" dur="1" fill="hold">
+                                          <p:stCondLst>
+                                            <p:cond delay="0"/>
+                                          </p:stCondLst>
+                                        </p:cTn>
+                                        <p:tgtEl>
+                                          <p:spTgt spid="8"/>
+                                        </p:tgtEl>
+                                        <p:attrNameLst>
+                                          <p:attrName>style.visibility</p:attrName>
+                                        </p:attrNameLst>
+                                      </p:cBhvr>
+                                      <p:to>
+                                        <p:strVal val="visible"/>
+                                      </p:to>
+                                    </p:set>
+                                  </p:childTnLst>
+                                </p:cTn>
+                              </p:par>
+                            </p:childTnLst>
+                          </p:cTn>
+                        </p:par>
+                      </p:childTnLst>
+                    </p:cTn>
+                  </p:par>
+                  <p:par>
+                    <p:cTn id="7" fill="hold">
+                      <p:stCondLst>
+                        <p:cond delay="indefinite"/>
+                      </p:stCondLst>
+                      <p:childTnLst>
+                        <p:par>
+                          <p:cTn id="8" fill="hold">
+                            <p:stCondLst>
+                              <p:cond delay="0"/>
+                            </p:stCondLst>
+                            <p:childTnLst>
+                              <p:par>
+                                <p:cTn id="9" presetID="1" presetClass="entr" presetSubtype="0" fill="hold" grpId="0" nodeType="clickEffect">
+                                  <p:stCondLst>
+                                    <p:cond delay="0"/>
+                                  </p:stCondLst>
+                                  <p:childTnLst>
+                                    <p:set>
+                                      <p:cBhvr>
+                                        <p:cTn id="10" dur="1" fill="hold">
+                                          <p:stCondLst>
+                                            <p:cond delay="0"/>
+                                          </p:stCondLst>
+                                        </p:cTn>
+                                        <p:tgtEl>
+                                          <p:spTgt spid="5"/>
+                                        </p:tgtEl>
+                                        <p:attrNameLst>
+                                          <p:attrName>style.visibility</p:attrName>
+                                        </p:attrNameLst>
+                                      </p:cBhvr>
+                                      <p:to>
+                                        <p:strVal val="visible"/>
+                                      </p:to>
+                                    </p:set>
+                                  </p:childTnLst>
+                                </p:cTn>
+                              </p:par>
+                              <p:par>
+                                <p:cTn id="11" presetID="1" presetClass="entr" presetSubtype="0" fill="hold" nodeType="withEffect">
+                                  <p:stCondLst>
+                                    <p:cond delay="0"/>
+                                  </p:stCondLst>
+                                  <p:childTnLst>
+                                    <p:set>
+                                      <p:cBhvr>
+                                        <p:cTn id="12" dur="1" fill="hold">
+                                          <p:stCondLst>
+                                            <p:cond delay="0"/>
+                                          </p:stCondLst>
+                                        </p:cTn>
+                                        <p:tgtEl>
+                                          <p:spTgt spid="10"/>
+                                        </p:tgtEl>
+                                        <p:attrNameLst>
+                                          <p:attrName>style.visibility</p:attrName>
+                                        </p:attrNameLst>
+                                      </p:cBhvr>
+                                      <p:to>
+                                        <p:strVal val="visible"/>
+                                      </p:to>
+                                    </p:set>
+                                  </p:childTnLst>
+                                </p:cTn>
+                              </p:par>
+                            </p:childTnLst>
+                          </p:cTn>
+                        </p:par>
+                      </p:childTnLst>
+                    </p:cTn>
+                  </p:par>
+                </p:childTnLst>
+              </p:cTn>
+              <p:prevCondLst>
+                <p:cond evt="onPrev" delay="0">
+                  <p:tgtEl>
+                    <p:sldTgt/>
+                  </p:tgtEl>
+                </p:cond>
+              </p:prevCondLst>
+              <p:nextCondLst>
+                <p:cond evt="onNext" delay="0">
+                  <p:tgtEl>
+                    <p:sldTgt/>
+                  </p:tgtEl>
+                </p:cond>
+              </p:nextCondLst>
+            </p:seq>
+          </p:childTnLst>
+        </p:cTn>
+      </p:par>
+    </p:tnLst>
+    <p:bldLst>
+      <p:bldP spid="5" grpId="0" animBg="1"/>
+    </p:bldLst>
+  </p:timing>
+</p:sld>
+</file>
+
+<file path=ppt/slides/slide3.xml><?xml version="1.0" encoding="utf-8"?>
+<p:sld xmlns:a="http://schemas.openxmlformats.org/drawingml/2006/main" xmlns:r="http://schemas.openxmlformats.org/officeDocument/2006/relationships" xmlns:p="http://schemas.openxmlformats.org/presentationml/2006/main">
+  <p:cSld>
+    <p:spTree>
+      <p:nvGrpSpPr>
+        <p:cNvPr id="1" name=""/>
+        <p:cNvGrpSpPr/>
+        <p:nvPr/>
+      </p:nvGrpSpPr>
+      <p:grpSpPr>
+        <a:xfrm>
+          <a:off x="0" y="0"/>
+          <a:ext cx="0" cy="0"/>
+          <a:chOff x="0" y="0"/>
+          <a:chExt cx="0" cy="0"/>
+        </a:xfrm>
+      </p:grpSpPr>
+      <p:sp>
+        <p:nvSpPr>
+          <p:cNvPr id="4" name="Slide Subtitle">
+            <a:extLst>
+              <a:ext uri="{FF2B5EF4-FFF2-40B4-BE49-F238E27FC236}">
+                <a16:creationId xmlns:a16="http://schemas.microsoft.com/office/drawing/2014/main" id="{BEB5BB41-09D4-4E9F-8C80-EE8709171CB3}"/>
+              </a:ext>
+            </a:extLst>
+          </p:cNvPr>
+          <p:cNvSpPr>
+            <a:spLocks noGrp="1"/>
+          </p:cNvSpPr>
+          <p:nvPr>
+            <p:ph type="subTitle" sz="quarter" idx="11"/>
+          </p:nvPr>
+        </p:nvSpPr>
+        <p:spPr/>
+        <p:txBody>
+          <a:bodyPr/>
+          <a:lstStyle/>
+          <a:p>
+            <a:r>
+              <a:rPr lang="en-US" dirty="0"/>
+              <a:t>One-to-Many</a:t>
+            </a:r>
+            <a:endParaRPr lang="bg-BG" dirty="0"/>
+          </a:p>
+        </p:txBody>
+      </p:sp>
+      <p:sp>
+        <p:nvSpPr>
+          <p:cNvPr id="6" name="Slide Title">
+            <a:extLst>
+              <a:ext uri="{FF2B5EF4-FFF2-40B4-BE49-F238E27FC236}">
+                <a16:creationId xmlns:a16="http://schemas.microsoft.com/office/drawing/2014/main" id="{028D9EA3-B5E0-4F17-9467-4BE3C280DA68}"/>
+              </a:ext>
+            </a:extLst>
+          </p:cNvPr>
+          <p:cNvSpPr>
+            <a:spLocks noGrp="1"/>
+          </p:cNvSpPr>
+          <p:nvPr>
+            <p:ph type="title" sz="quarter" idx="10"/>
+          </p:nvPr>
+        </p:nvSpPr>
+        <p:spPr/>
+        <p:txBody>
+          <a:bodyPr/>
+          <a:lstStyle/>
+          <a:p>
+            <a:r>
+              <a:rPr lang="en-US" sz="4400" dirty="0"/>
+              <a:t>Master-Detail </a:t>
+            </a:r>
+            <a:r>
+              <a:rPr lang="bg-BG" sz="4400" dirty="0"/>
+              <a:t>навигация</a:t>
+            </a:r>
+            <a:endParaRPr lang="en-US" sz="4400" dirty="0"/>
+          </a:p>
+        </p:txBody>
+      </p:sp>
+      <p:pic>
+        <p:nvPicPr>
+          <p:cNvPr id="3" name="Picture 2">
+            <a:extLst>
+              <a:ext uri="{FF2B5EF4-FFF2-40B4-BE49-F238E27FC236}">
+                <a16:creationId xmlns:a16="http://schemas.microsoft.com/office/drawing/2014/main" id="{3140AC4E-61A8-4E3D-EA31-230A1A7440DC}"/>
+              </a:ext>
+            </a:extLst>
+          </p:cNvPr>
+          <p:cNvPicPr>
+            <a:picLocks noChangeAspect="1"/>
+          </p:cNvPicPr>
+          <p:nvPr/>
+        </p:nvPicPr>
+        <p:blipFill>
+          <a:blip r:embed="rId3">
+            <a:extLst>
+              <a:ext uri="{28A0092B-C50C-407E-A947-70E740481C1C}">
+                <a14:useLocalDpi xmlns:a14="http://schemas.microsoft.com/office/drawing/2010/main" val="0"/>
+              </a:ext>
+            </a:extLst>
+          </a:blip>
           <a:stretch>
             <a:fillRect/>
           </a:stretch>
         </p:blipFill>
         <p:spPr>
           <a:xfrm>
-            <a:off x="6171009" y="2439000"/>
-            <a:ext cx="5580000" cy="2727068"/>
+            <a:off x="4719685" y="1686661"/>
+            <a:ext cx="2752629" cy="1823616"/>
+          </a:xfrm>
+          <a:prstGeom prst="rect">
+            <a:avLst/>
+          </a:prstGeom>
+        </p:spPr>
+      </p:pic>
+    </p:spTree>
+    <p:extLst>
+      <p:ext uri="{BB962C8B-B14F-4D97-AF65-F5344CB8AC3E}">
+        <p14:creationId xmlns:p14="http://schemas.microsoft.com/office/powerpoint/2010/main" val="882194472"/>
+      </p:ext>
+    </p:extLst>
+  </p:cSld>
+  <p:clrMapOvr>
+    <a:masterClrMapping/>
+  </p:clrMapOvr>
+  <mc:AlternateContent xmlns:mc="http://schemas.openxmlformats.org/markup-compatibility/2006" xmlns:p14="http://schemas.microsoft.com/office/powerpoint/2010/main">
+    <mc:Choice Requires="p14">
+      <p:transition spd="slow" p14:dur="2000" advClick="0" advTm="5000"/>
+    </mc:Choice>
+    <mc:Fallback xmlns="">
+      <p:transition spd="slow" advClick="0" advTm="5000"/>
+    </mc:Fallback>
+  </mc:AlternateContent>
+</p:sld>
+</file>
+
+<file path=ppt/slides/slide30.xml><?xml version="1.0" encoding="utf-8"?>
+<p:sld xmlns:a="http://schemas.openxmlformats.org/drawingml/2006/main" xmlns:r="http://schemas.openxmlformats.org/officeDocument/2006/relationships" xmlns:p="http://schemas.openxmlformats.org/presentationml/2006/main">
+  <p:cSld>
+    <p:spTree>
+      <p:nvGrpSpPr>
+        <p:cNvPr id="1" name=""/>
+        <p:cNvGrpSpPr/>
+        <p:nvPr/>
+      </p:nvGrpSpPr>
+      <p:grpSpPr>
+        <a:xfrm>
+          <a:off x="0" y="0"/>
+          <a:ext cx="0" cy="0"/>
+          <a:chOff x="0" y="0"/>
+          <a:chExt cx="0" cy="0"/>
+        </a:xfrm>
+      </p:grpSpPr>
+      <p:sp>
+        <p:nvSpPr>
+          <p:cNvPr id="2" name="Slide Number Placeholder 1">
+            <a:extLst>
+              <a:ext uri="{FF2B5EF4-FFF2-40B4-BE49-F238E27FC236}">
+                <a16:creationId xmlns:a16="http://schemas.microsoft.com/office/drawing/2014/main" id="{17B9613A-E959-7D44-F55D-E718F1D48461}"/>
+              </a:ext>
+            </a:extLst>
+          </p:cNvPr>
+          <p:cNvSpPr>
+            <a:spLocks noGrp="1"/>
+          </p:cNvSpPr>
+          <p:nvPr>
+            <p:ph type="sldNum" sz="quarter" idx="5"/>
+          </p:nvPr>
+        </p:nvSpPr>
+        <p:spPr/>
+        <p:txBody>
+          <a:bodyPr/>
+          <a:lstStyle/>
+          <a:p>
+            <a:fld id="{2BF067CD-8E6B-4360-9AA8-C5DF2A48A6D1}" type="slidenum">
+              <a:rPr lang="en-US" noProof="0" smtClean="0"/>
+              <a:pPr/>
+              <a:t>30</a:t>
+            </a:fld>
+            <a:endParaRPr lang="en-US" noProof="0" dirty="0"/>
+          </a:p>
+        </p:txBody>
+      </p:sp>
+      <p:sp>
+        <p:nvSpPr>
+          <p:cNvPr id="4" name="Title 3">
+            <a:extLst>
+              <a:ext uri="{FF2B5EF4-FFF2-40B4-BE49-F238E27FC236}">
+                <a16:creationId xmlns:a16="http://schemas.microsoft.com/office/drawing/2014/main" id="{086E11B0-7981-D3D5-9F61-B7C5904532DE}"/>
+              </a:ext>
+            </a:extLst>
+          </p:cNvPr>
+          <p:cNvSpPr>
+            <a:spLocks noGrp="1"/>
+          </p:cNvSpPr>
+          <p:nvPr>
+            <p:ph type="title"/>
+          </p:nvPr>
+        </p:nvSpPr>
+        <p:spPr/>
+        <p:txBody>
+          <a:bodyPr/>
+          <a:lstStyle/>
+          <a:p>
+            <a:r>
+              <a:rPr lang="bg-BG" dirty="0"/>
+              <a:t>Резултат</a:t>
+            </a:r>
+            <a:r>
+              <a:rPr lang="en-US" dirty="0"/>
+              <a:t> - </a:t>
+            </a:r>
+            <a:r>
+              <a:rPr lang="bg-BG" dirty="0"/>
+              <a:t>филтриране и сортиране</a:t>
+            </a:r>
+            <a:endParaRPr lang="en-BG" dirty="0"/>
+          </a:p>
+        </p:txBody>
+      </p:sp>
+      <p:pic>
+        <p:nvPicPr>
+          <p:cNvPr id="8" name="Picture 7">
+            <a:extLst>
+              <a:ext uri="{FF2B5EF4-FFF2-40B4-BE49-F238E27FC236}">
+                <a16:creationId xmlns:a16="http://schemas.microsoft.com/office/drawing/2014/main" id="{0083D3EF-605D-20AC-C61C-FB543CADE414}"/>
+              </a:ext>
+            </a:extLst>
+          </p:cNvPr>
+          <p:cNvPicPr>
+            <a:picLocks noChangeAspect="1"/>
+          </p:cNvPicPr>
+          <p:nvPr/>
+        </p:nvPicPr>
+        <p:blipFill>
+          <a:blip r:embed="rId2">
+            <a:extLst>
+              <a:ext uri="{28A0092B-C50C-407E-A947-70E740481C1C}">
+                <a14:useLocalDpi xmlns:a14="http://schemas.microsoft.com/office/drawing/2010/main" val="0"/>
+              </a:ext>
+            </a:extLst>
+          </a:blip>
+          <a:srcRect/>
+          <a:stretch/>
+        </p:blipFill>
+        <p:spPr>
+          <a:xfrm>
+            <a:off x="360173" y="2465517"/>
+            <a:ext cx="5558621" cy="2674033"/>
+          </a:xfrm>
+          <a:prstGeom prst="rect">
+            <a:avLst/>
+          </a:prstGeom>
+          <a:ln>
+            <a:solidFill>
+              <a:schemeClr val="bg2">
+                <a:lumMod val="75000"/>
+              </a:schemeClr>
+            </a:solidFill>
+          </a:ln>
+        </p:spPr>
+      </p:pic>
+      <p:pic>
+        <p:nvPicPr>
+          <p:cNvPr id="10" name="Picture 9">
+            <a:extLst>
+              <a:ext uri="{FF2B5EF4-FFF2-40B4-BE49-F238E27FC236}">
+                <a16:creationId xmlns:a16="http://schemas.microsoft.com/office/drawing/2014/main" id="{125B66B2-E620-111F-25B1-16569238596B}"/>
+              </a:ext>
+            </a:extLst>
+          </p:cNvPr>
+          <p:cNvPicPr>
+            <a:picLocks noChangeAspect="1"/>
+          </p:cNvPicPr>
+          <p:nvPr/>
+        </p:nvPicPr>
+        <p:blipFill>
+          <a:blip r:embed="rId3">
+            <a:extLst>
+              <a:ext uri="{28A0092B-C50C-407E-A947-70E740481C1C}">
+                <a14:useLocalDpi xmlns:a14="http://schemas.microsoft.com/office/drawing/2010/main" val="0"/>
+              </a:ext>
+            </a:extLst>
+          </a:blip>
+          <a:srcRect/>
+          <a:stretch/>
+        </p:blipFill>
+        <p:spPr>
+          <a:xfrm>
+            <a:off x="6171009" y="2460375"/>
+            <a:ext cx="5580000" cy="2684318"/>
           </a:xfrm>
           <a:prstGeom prst="rect">
             <a:avLst/>
@@ -19690,7 +20574,7 @@
     </p:spTree>
     <p:extLst>
       <p:ext uri="{BB962C8B-B14F-4D97-AF65-F5344CB8AC3E}">
-        <p14:creationId xmlns:p14="http://schemas.microsoft.com/office/powerpoint/2010/main" val="2717270570"/>
+        <p14:creationId xmlns:p14="http://schemas.microsoft.com/office/powerpoint/2010/main" val="3838473834"/>
       </p:ext>
     </p:extLst>
   </p:cSld>
@@ -19813,143 +20697,7 @@
 </p:sld>
 </file>
 
-<file path=ppt/slides/slide3.xml><?xml version="1.0" encoding="utf-8"?>
-<p:sld xmlns:a="http://schemas.openxmlformats.org/drawingml/2006/main" xmlns:r="http://schemas.openxmlformats.org/officeDocument/2006/relationships" xmlns:p="http://schemas.openxmlformats.org/presentationml/2006/main">
-  <p:cSld>
-    <p:spTree>
-      <p:nvGrpSpPr>
-        <p:cNvPr id="1" name=""/>
-        <p:cNvGrpSpPr/>
-        <p:nvPr/>
-      </p:nvGrpSpPr>
-      <p:grpSpPr>
-        <a:xfrm>
-          <a:off x="0" y="0"/>
-          <a:ext cx="0" cy="0"/>
-          <a:chOff x="0" y="0"/>
-          <a:chExt cx="0" cy="0"/>
-        </a:xfrm>
-      </p:grpSpPr>
-      <p:sp>
-        <p:nvSpPr>
-          <p:cNvPr id="4" name="Slide Subtitle">
-            <a:extLst>
-              <a:ext uri="{FF2B5EF4-FFF2-40B4-BE49-F238E27FC236}">
-                <a16:creationId xmlns:a16="http://schemas.microsoft.com/office/drawing/2014/main" id="{BEB5BB41-09D4-4E9F-8C80-EE8709171CB3}"/>
-              </a:ext>
-            </a:extLst>
-          </p:cNvPr>
-          <p:cNvSpPr>
-            <a:spLocks noGrp="1"/>
-          </p:cNvSpPr>
-          <p:nvPr>
-            <p:ph type="subTitle" sz="quarter" idx="11"/>
-          </p:nvPr>
-        </p:nvSpPr>
-        <p:spPr/>
-        <p:txBody>
-          <a:bodyPr/>
-          <a:lstStyle/>
-          <a:p>
-            <a:r>
-              <a:rPr lang="en-US" dirty="0"/>
-              <a:t>One-to-Many</a:t>
-            </a:r>
-            <a:endParaRPr lang="bg-BG" dirty="0"/>
-          </a:p>
-        </p:txBody>
-      </p:sp>
-      <p:sp>
-        <p:nvSpPr>
-          <p:cNvPr id="6" name="Slide Title">
-            <a:extLst>
-              <a:ext uri="{FF2B5EF4-FFF2-40B4-BE49-F238E27FC236}">
-                <a16:creationId xmlns:a16="http://schemas.microsoft.com/office/drawing/2014/main" id="{028D9EA3-B5E0-4F17-9467-4BE3C280DA68}"/>
-              </a:ext>
-            </a:extLst>
-          </p:cNvPr>
-          <p:cNvSpPr>
-            <a:spLocks noGrp="1"/>
-          </p:cNvSpPr>
-          <p:nvPr>
-            <p:ph type="title" sz="quarter" idx="10"/>
-          </p:nvPr>
-        </p:nvSpPr>
-        <p:spPr/>
-        <p:txBody>
-          <a:bodyPr/>
-          <a:lstStyle/>
-          <a:p>
-            <a:r>
-              <a:rPr lang="en-US" sz="4400" dirty="0"/>
-              <a:t>Master-Detail </a:t>
-            </a:r>
-            <a:r>
-              <a:rPr lang="bg-BG" sz="4400" dirty="0"/>
-              <a:t>навигация</a:t>
-            </a:r>
-            <a:endParaRPr lang="en-US" sz="4400" dirty="0"/>
-          </a:p>
-        </p:txBody>
-      </p:sp>
-      <p:pic>
-        <p:nvPicPr>
-          <p:cNvPr id="3" name="Picture 2">
-            <a:extLst>
-              <a:ext uri="{FF2B5EF4-FFF2-40B4-BE49-F238E27FC236}">
-                <a16:creationId xmlns:a16="http://schemas.microsoft.com/office/drawing/2014/main" id="{3140AC4E-61A8-4E3D-EA31-230A1A7440DC}"/>
-              </a:ext>
-            </a:extLst>
-          </p:cNvPr>
-          <p:cNvPicPr>
-            <a:picLocks noChangeAspect="1"/>
-          </p:cNvPicPr>
-          <p:nvPr/>
-        </p:nvPicPr>
-        <p:blipFill>
-          <a:blip r:embed="rId3">
-            <a:extLst>
-              <a:ext uri="{28A0092B-C50C-407E-A947-70E740481C1C}">
-                <a14:useLocalDpi xmlns:a14="http://schemas.microsoft.com/office/drawing/2010/main" val="0"/>
-              </a:ext>
-            </a:extLst>
-          </a:blip>
-          <a:stretch>
-            <a:fillRect/>
-          </a:stretch>
-        </p:blipFill>
-        <p:spPr>
-          <a:xfrm>
-            <a:off x="4719685" y="1686661"/>
-            <a:ext cx="2752629" cy="1823616"/>
-          </a:xfrm>
-          <a:prstGeom prst="rect">
-            <a:avLst/>
-          </a:prstGeom>
-        </p:spPr>
-      </p:pic>
-    </p:spTree>
-    <p:extLst>
-      <p:ext uri="{BB962C8B-B14F-4D97-AF65-F5344CB8AC3E}">
-        <p14:creationId xmlns:p14="http://schemas.microsoft.com/office/powerpoint/2010/main" val="882194472"/>
-      </p:ext>
-    </p:extLst>
-  </p:cSld>
-  <p:clrMapOvr>
-    <a:masterClrMapping/>
-  </p:clrMapOvr>
-  <mc:AlternateContent xmlns:mc="http://schemas.openxmlformats.org/markup-compatibility/2006" xmlns:p14="http://schemas.microsoft.com/office/powerpoint/2010/main">
-    <mc:Choice Requires="p14">
-      <p:transition spd="slow" p14:dur="2000" advClick="0" advTm="5000"/>
-    </mc:Choice>
-    <mc:Fallback xmlns="">
-      <p:transition spd="slow" advClick="0" advTm="5000"/>
-    </mc:Fallback>
-  </mc:AlternateContent>
-</p:sld>
-</file>
-
-<file path=ppt/slides/slide30.xml><?xml version="1.0" encoding="utf-8"?>
+<file path=ppt/slides/slide31.xml><?xml version="1.0" encoding="utf-8"?>
 <p:sld xmlns:a="http://schemas.openxmlformats.org/drawingml/2006/main" xmlns:r="http://schemas.openxmlformats.org/officeDocument/2006/relationships" xmlns:p="http://schemas.openxmlformats.org/presentationml/2006/main">
   <p:cSld>
     <p:spTree>
@@ -20186,7 +20934,7 @@
         </p:spPr>
         <p:txBody>
           <a:bodyPr>
-            <a:normAutofit/>
+            <a:normAutofit lnSpcReduction="10000"/>
           </a:bodyPr>
           <a:lstStyle>
             <a:lvl1pPr marL="514350" indent="-514350">
@@ -20404,10 +21152,82 @@
               </a:rPr>
               <a:t>Филтриране и сортиране на таблица</a:t>
             </a:r>
-            <a:endParaRPr lang="en-GB" sz="2800" dirty="0">
+            <a:endParaRPr lang="en-US" sz="2800" dirty="0">
               <a:solidFill>
                 <a:schemeClr val="bg2"/>
               </a:solidFill>
+            </a:endParaRPr>
+          </a:p>
+          <a:p>
+            <a:pPr marL="969948" lvl="1" indent="-360363" fontAlgn="base">
+              <a:buClr>
+                <a:schemeClr val="bg2"/>
+              </a:buClr>
+            </a:pPr>
+            <a:r>
+              <a:rPr lang="bg-BG" sz="2600" dirty="0">
+                <a:solidFill>
+                  <a:schemeClr val="bg2"/>
+                </a:solidFill>
+              </a:rPr>
+              <a:t>Използваме </a:t>
+            </a:r>
+            <a:r>
+              <a:rPr lang="en-US" sz="2600" dirty="0">
+                <a:solidFill>
+                  <a:schemeClr val="bg2"/>
+                </a:solidFill>
+              </a:rPr>
+              <a:t>LINQ </a:t>
+            </a:r>
+            <a:r>
+              <a:rPr lang="bg-BG" sz="2600" dirty="0">
+                <a:solidFill>
+                  <a:schemeClr val="bg2"/>
+                </a:solidFill>
+              </a:rPr>
+              <a:t>заявки</a:t>
+            </a:r>
+          </a:p>
+          <a:p>
+            <a:pPr marL="969948" lvl="1" indent="-360363" fontAlgn="base">
+              <a:buClr>
+                <a:schemeClr val="bg2"/>
+              </a:buClr>
+            </a:pPr>
+            <a:r>
+              <a:rPr lang="en-US" sz="2600" b="1" dirty="0">
+                <a:solidFill>
+                  <a:schemeClr val="accent1"/>
+                </a:solidFill>
+                <a:latin typeface="Consolas" panose="020B0609020204030204" pitchFamily="49" charset="0"/>
+                <a:cs typeface="Consolas" panose="020B0609020204030204" pitchFamily="49" charset="0"/>
+              </a:rPr>
+              <a:t>Where()</a:t>
+            </a:r>
+          </a:p>
+          <a:p>
+            <a:pPr marL="969948" lvl="1" indent="-360363" fontAlgn="base">
+              <a:buClr>
+                <a:schemeClr val="bg2"/>
+              </a:buClr>
+            </a:pPr>
+            <a:r>
+              <a:rPr lang="en-US" sz="2600" b="1" dirty="0">
+                <a:solidFill>
+                  <a:schemeClr val="accent1"/>
+                </a:solidFill>
+                <a:latin typeface="Consolas" panose="020B0609020204030204" pitchFamily="49" charset="0"/>
+                <a:cs typeface="Consolas" panose="020B0609020204030204" pitchFamily="49" charset="0"/>
+              </a:rPr>
+              <a:t>OrderBy()</a:t>
+            </a:r>
+            <a:endParaRPr lang="en-GB" sz="2600" b="1" dirty="0">
+              <a:solidFill>
+                <a:schemeClr val="accent1"/>
+              </a:solidFill>
+              <a:latin typeface="Consolas" panose="020B0609020204030204" pitchFamily="49" charset="0"/>
+              <a:cs typeface="Consolas" panose="020B0609020204030204" pitchFamily="49" charset="0"/>
             </a:endParaRPr>
           </a:p>
         </p:txBody>
@@ -20473,7 +21293,7 @@
             <a:fld id="{2BF067CD-8E6B-4360-9AA8-C5DF2A48A6D1}" type="slidenum">
               <a:rPr lang="en-US" noProof="0" smtClean="0"/>
               <a:pPr/>
-              <a:t>30</a:t>
+              <a:t>31</a:t>
             </a:fld>
             <a:endParaRPr lang="en-US" noProof="0" dirty="0"/>
           </a:p>
@@ -20677,6 +21497,135 @@
                                   </p:childTnLst>
                                 </p:cTn>
                               </p:par>
+                              <p:par>
+                                <p:cTn id="17" presetID="1" presetClass="entr" presetSubtype="0" fill="hold" nodeType="withEffect">
+                                  <p:stCondLst>
+                                    <p:cond delay="0"/>
+                                  </p:stCondLst>
+                                  <p:childTnLst>
+                                    <p:set>
+                                      <p:cBhvr>
+                                        <p:cTn id="18" dur="1" fill="hold">
+                                          <p:stCondLst>
+                                            <p:cond delay="0"/>
+                                          </p:stCondLst>
+                                        </p:cTn>
+                                        <p:tgtEl>
+                                          <p:spTgt spid="14">
+                                            <p:txEl>
+                                              <p:pRg st="4" end="4"/>
+                                            </p:txEl>
+                                          </p:spTgt>
+                                        </p:tgtEl>
+                                        <p:attrNameLst>
+                                          <p:attrName>style.visibility</p:attrName>
+                                        </p:attrNameLst>
+                                      </p:cBhvr>
+                                      <p:to>
+                                        <p:strVal val="visible"/>
+                                      </p:to>
+                                    </p:set>
+                                  </p:childTnLst>
+                                </p:cTn>
+                              </p:par>
+                            </p:childTnLst>
+                          </p:cTn>
+                        </p:par>
+                      </p:childTnLst>
+                    </p:cTn>
+                  </p:par>
+                  <p:par>
+                    <p:cTn id="19" fill="hold">
+                      <p:stCondLst>
+                        <p:cond delay="indefinite"/>
+                      </p:stCondLst>
+                      <p:childTnLst>
+                        <p:par>
+                          <p:cTn id="20" fill="hold">
+                            <p:stCondLst>
+                              <p:cond delay="0"/>
+                            </p:stCondLst>
+                            <p:childTnLst>
+                              <p:par>
+                                <p:cTn id="21" presetID="1" presetClass="entr" presetSubtype="0" fill="hold" nodeType="clickEffect">
+                                  <p:stCondLst>
+                                    <p:cond delay="0"/>
+                                  </p:stCondLst>
+                                  <p:childTnLst>
+                                    <p:set>
+                                      <p:cBhvr>
+                                        <p:cTn id="22" dur="1" fill="hold">
+                                          <p:stCondLst>
+                                            <p:cond delay="0"/>
+                                          </p:stCondLst>
+                                        </p:cTn>
+                                        <p:tgtEl>
+                                          <p:spTgt spid="14">
+                                            <p:txEl>
+                                              <p:pRg st="5" end="5"/>
+                                            </p:txEl>
+                                          </p:spTgt>
+                                        </p:tgtEl>
+                                        <p:attrNameLst>
+                                          <p:attrName>style.visibility</p:attrName>
+                                        </p:attrNameLst>
+                                      </p:cBhvr>
+                                      <p:to>
+                                        <p:strVal val="visible"/>
+                                      </p:to>
+                                    </p:set>
+                                  </p:childTnLst>
+                                </p:cTn>
+                              </p:par>
+                            </p:childTnLst>
+                          </p:cTn>
+                        </p:par>
+                      </p:childTnLst>
+                    </p:cTn>
+                  </p:par>
+                  <p:par>
+                    <p:cTn id="23" fill="hold">
+                      <p:stCondLst>
+                        <p:cond delay="indefinite"/>
+                      </p:stCondLst>
+                      <p:childTnLst>
+                        <p:par>
+                          <p:cTn id="24" fill="hold">
+                            <p:stCondLst>
+                              <p:cond delay="0"/>
+                            </p:stCondLst>
+                            <p:childTnLst>
+                              <p:par>
+                                <p:cTn id="25" presetID="1" presetClass="entr" presetSubtype="0" fill="hold" nodeType="clickEffect">
+                                  <p:stCondLst>
+                                    <p:cond delay="0"/>
+                                  </p:stCondLst>
+                                  <p:childTnLst>
+                                    <p:set>
+                                      <p:cBhvr>
+                                        <p:cTn id="26" dur="1" fill="hold">
+                                          <p:stCondLst>
+                                            <p:cond delay="0"/>
+                                          </p:stCondLst>
+                                        </p:cTn>
+                                        <p:tgtEl>
+                                          <p:spTgt spid="14">
+                                            <p:txEl>
+                                              <p:pRg st="6" end="6"/>
+                                            </p:txEl>
+                                          </p:spTgt>
+                                        </p:tgtEl>
+                                        <p:attrNameLst>
+                                          <p:attrName>style.visibility</p:attrName>
+                                        </p:attrNameLst>
+                                      </p:cBhvr>
+                                      <p:to>
+                                        <p:strVal val="visible"/>
+                                      </p:to>
+                                    </p:set>
+                                  </p:childTnLst>
+                                </p:cTn>
+                              </p:par>
                             </p:childTnLst>
                           </p:cTn>
                         </p:par>
@@ -20708,7 +21657,7 @@
 </p:sld>
 </file>
 
-<file path=ppt/slides/slide31.xml><?xml version="1.0" encoding="utf-8"?>
+<file path=ppt/slides/slide32.xml><?xml version="1.0" encoding="utf-8"?>
 <p:sld xmlns:a="http://schemas.openxmlformats.org/drawingml/2006/main" xmlns:r="http://schemas.openxmlformats.org/officeDocument/2006/relationships" xmlns:p="http://schemas.openxmlformats.org/presentationml/2006/main">
   <p:cSld>
     <p:spTree>
@@ -20898,7 +21847,7 @@
 </p:sld>
 </file>
 
-<file path=ppt/slides/slide32.xml><?xml version="1.0" encoding="utf-8"?>
+<file path=ppt/slides/slide33.xml><?xml version="1.0" encoding="utf-8"?>
 <p:sld xmlns:a="http://schemas.openxmlformats.org/drawingml/2006/main" xmlns:r="http://schemas.openxmlformats.org/officeDocument/2006/relationships" xmlns:p="http://schemas.openxmlformats.org/presentationml/2006/main">
   <p:cSld>
     <p:spTree>
@@ -20951,7 +21900,7 @@
             <a:fld id="{2BF067CD-8E6B-4360-9AA8-C5DF2A48A6D1}" type="slidenum">
               <a:rPr lang="en-US" smtClean="0"/>
               <a:pPr/>
-              <a:t>32</a:t>
+              <a:t>33</a:t>
             </a:fld>
             <a:endParaRPr lang="en-US" dirty="0"/>
           </a:p>

--- a/Courses/Software-Sciences/Module-4-Information-Systems-New/08-Navigation-between-tables/08-Navigation-between-tables.pptx
+++ b/Courses/Software-Sciences/Module-4-Information-Systems-New/08-Navigation-between-tables/08-Navigation-between-tables.pptx
@@ -327,7 +327,7 @@
           <a:p>
             <a:fld id="{4E087215-0C8F-4762-A664-737A353EC9A4}" type="datetimeFigureOut">
               <a:rPr lang="bg-BG" smtClean="0"/>
-              <a:t>6.06.24 г.</a:t>
+              <a:t>10.06.24 г.</a:t>
             </a:fld>
             <a:endParaRPr lang="bg-BG"/>
           </a:p>
@@ -523,7 +523,7 @@
           <a:p>
             <a:fld id="{72D84649-876A-46C9-8472-14CB09C070D8}" type="datetimeFigureOut">
               <a:rPr lang="en-US" smtClean="0"/>
-              <a:t>6/6/24</a:t>
+              <a:t>6/10/24</a:t>
             </a:fld>
             <a:endParaRPr lang="en-US"/>
           </a:p>
@@ -8568,8 +8568,8 @@
         </p:blipFill>
         <p:spPr>
           <a:xfrm>
-            <a:off x="607097" y="3054314"/>
-            <a:ext cx="1827780" cy="852701"/>
+            <a:off x="607097" y="3070787"/>
+            <a:ext cx="1827780" cy="819755"/>
           </a:xfrm>
           <a:prstGeom prst="rect">
             <a:avLst/>
@@ -16872,10 +16872,20 @@
                 <a:latin typeface="Consolas" panose="020B0609020204030204" pitchFamily="49" charset="0"/>
                 <a:cs typeface="Consolas" panose="020B0609020204030204" pitchFamily="49" charset="0"/>
               </a:rPr>
-              <a:t>dataGridViewCountries </a:t>
-            </a:r>
-            <a:r>
-              <a:rPr lang="en-US" sz="3000" dirty="0">
+              <a:t>dataGridViewCountries</a:t>
+            </a:r>
+            <a:r>
+              <a:rPr lang="en-US" sz="2600" b="1" dirty="0">
+                <a:solidFill>
+                  <a:schemeClr val="bg1"/>
+                </a:solidFill>
+                <a:latin typeface="Calibri" panose="020F0502020204030204" pitchFamily="34" charset="0"/>
+                <a:cs typeface="Calibri" panose="020F0502020204030204" pitchFamily="34" charset="0"/>
+              </a:rPr>
+              <a:t> </a:t>
+            </a:r>
+            <a:r>
+              <a:rPr lang="en-US" sz="2400" dirty="0">
                 <a:solidFill>
                   <a:schemeClr val="bg1"/>
                 </a:solidFill>
@@ -16890,10 +16900,20 @@
                 <a:solidFill>
                   <a:schemeClr val="bg1"/>
                 </a:solidFill>
+                <a:latin typeface="Calibri" panose="020F0502020204030204" pitchFamily="34" charset="0"/>
+                <a:cs typeface="Calibri" panose="020F0502020204030204" pitchFamily="34" charset="0"/>
+              </a:rPr>
+              <a:t> </a:t>
+            </a:r>
+            <a:r>
+              <a:rPr lang="en-US" sz="2600" b="1" dirty="0">
+                <a:solidFill>
+                  <a:schemeClr val="bg1"/>
+                </a:solidFill>
                 <a:latin typeface="Consolas" panose="020B0609020204030204" pitchFamily="49" charset="0"/>
                 <a:cs typeface="Consolas" panose="020B0609020204030204" pitchFamily="49" charset="0"/>
               </a:rPr>
-              <a:t> Country</a:t>
+              <a:t>Country</a:t>
             </a:r>
           </a:p>
           <a:p>
@@ -16906,16 +16926,36 @@
                 <a:latin typeface="Consolas" panose="020B0609020204030204" pitchFamily="49" charset="0"/>
                 <a:cs typeface="Consolas" panose="020B0609020204030204" pitchFamily="49" charset="0"/>
               </a:rPr>
-              <a:t>dataGridViewTowns </a:t>
-            </a:r>
-            <a:r>
-              <a:rPr lang="en-US" sz="2800" dirty="0">
+              <a:t>dataGridViewTowns</a:t>
+            </a:r>
+            <a:r>
+              <a:rPr lang="en-GB" sz="2600" b="1" dirty="0">
                 <a:solidFill>
                   <a:schemeClr val="bg1"/>
                 </a:solidFill>
+                <a:latin typeface="Calibri" panose="020F0502020204030204" pitchFamily="34" charset="0"/>
+                <a:cs typeface="Calibri" panose="020F0502020204030204" pitchFamily="34" charset="0"/>
+              </a:rPr>
+              <a:t> </a:t>
+            </a:r>
+            <a:r>
+              <a:rPr lang="en-US" sz="2400" dirty="0">
+                <a:solidFill>
+                  <a:schemeClr val="bg1"/>
+                </a:solidFill>
                 <a:sym typeface="Wingdings" panose="05000000000000000000" pitchFamily="2" charset="2"/>
               </a:rPr>
               <a:t></a:t>
+            </a:r>
+            <a:r>
+              <a:rPr lang="en-GB" sz="2600" b="1" dirty="0">
+                <a:solidFill>
+                  <a:schemeClr val="bg1"/>
+                </a:solidFill>
+                <a:latin typeface="Calibri" panose="020F0502020204030204" pitchFamily="34" charset="0"/>
+                <a:cs typeface="Calibri" panose="020F0502020204030204" pitchFamily="34" charset="0"/>
+              </a:rPr>
+              <a:t> </a:t>
             </a:r>
             <a:r>
               <a:rPr lang="en-GB" sz="2600" b="1" dirty="0">
@@ -16925,7 +16965,7 @@
                 <a:latin typeface="Consolas" panose="020B0609020204030204" pitchFamily="49" charset="0"/>
                 <a:cs typeface="Consolas" panose="020B0609020204030204" pitchFamily="49" charset="0"/>
               </a:rPr>
-              <a:t> Town</a:t>
+              <a:t>Town</a:t>
             </a:r>
           </a:p>
           <a:p>
@@ -17590,7 +17630,7 @@
         <p:spPr bwMode="auto">
           <a:xfrm>
             <a:off x="627830" y="2635736"/>
-            <a:ext cx="11125200" cy="2926543"/>
+            <a:ext cx="11125200" cy="3080431"/>
           </a:xfrm>
           <a:prstGeom prst="rect">
             <a:avLst/>
@@ -17697,7 +17737,30 @@
                 <a:latin typeface="Consolas" pitchFamily="49" charset="0"/>
                 <a:cs typeface="Consolas" pitchFamily="49" charset="0"/>
               </a:rPr>
-              <a:t>int countryId = (int)this.dataGridViewCountries.CurrentRow.Cells["CountryId"].Value; </a:t>
+              <a:t>var countryId = (int)this.dataGridViewCountries.</a:t>
+            </a:r>
+          </a:p>
+          <a:p>
+            <a:pPr>
+              <a:spcBef>
+                <a:spcPts val="600"/>
+              </a:spcBef>
+              <a:spcAft>
+                <a:spcPts val="600"/>
+              </a:spcAft>
+              <a:buClr>
+                <a:srgbClr val="F2B254"/>
+              </a:buClr>
+              <a:buSzPct val="100000"/>
+              <a:buFont typeface="Wingdings" panose="05000000000000000000" pitchFamily="2" charset="2"/>
+              <a:buNone/>
+            </a:pPr>
+            <a:r>
+              <a:rPr lang="en-US" b="1" noProof="1">
+                <a:latin typeface="Consolas" pitchFamily="49" charset="0"/>
+                <a:cs typeface="Consolas" pitchFamily="49" charset="0"/>
+              </a:rPr>
+              <a:t>		                CurrentRow.Cells["CountryId"].Value; </a:t>
             </a:r>
             <a:endParaRPr lang="bg-BG" b="1" noProof="1">
               <a:latin typeface="Consolas" pitchFamily="49" charset="0"/>
@@ -18266,7 +18329,7 @@
                 <a:latin typeface="Consolas" pitchFamily="49" charset="0"/>
                 <a:cs typeface="Consolas" pitchFamily="49" charset="0"/>
               </a:rPr>
-              <a:t>    var filterText = textBoxFilter.Text.ToLower();</a:t>
+              <a:t>    var filterText = this.textBoxFilter.Text.ToLower();</a:t>
             </a:r>
           </a:p>
           <a:p>
@@ -18892,7 +18955,7 @@
                 <a:latin typeface="Consolas" panose="020B0609020204030204" pitchFamily="49" charset="0"/>
                 <a:cs typeface="Consolas" panose="020B0609020204030204" pitchFamily="49" charset="0"/>
               </a:rPr>
-              <a:t>     string selectedSort = this.comboBoxSort.SelectedItem.ToString();</a:t>
+              <a:t>     var selectedSort = this.comboBoxSort.SelectedItem.ToString();</a:t>
             </a:r>
           </a:p>
           <a:p>

--- a/Courses/Software-Sciences/Module-4-Information-Systems-New/08-Navigation-between-tables/08-Navigation-between-tables.pptx
+++ b/Courses/Software-Sciences/Module-4-Information-Systems-New/08-Navigation-between-tables/08-Navigation-between-tables.pptx
@@ -327,7 +327,7 @@
           <a:p>
             <a:fld id="{4E087215-0C8F-4762-A664-737A353EC9A4}" type="datetimeFigureOut">
               <a:rPr lang="bg-BG" smtClean="0"/>
-              <a:t>10.06.24 г.</a:t>
+              <a:t>17.06.24 г.</a:t>
             </a:fld>
             <a:endParaRPr lang="bg-BG"/>
           </a:p>
@@ -523,7 +523,7 @@
           <a:p>
             <a:fld id="{72D84649-876A-46C9-8472-14CB09C070D8}" type="datetimeFigureOut">
               <a:rPr lang="en-US" smtClean="0"/>
-              <a:t>6/10/24</a:t>
+              <a:t>6/17/24</a:t>
             </a:fld>
             <a:endParaRPr lang="en-US"/>
           </a:p>
@@ -8388,7 +8388,7 @@
           <a:p>
             <a:r>
               <a:rPr lang="bg-BG" dirty="0"/>
-              <a:t>Курс “Информационни системи"</a:t>
+              <a:t>Курс "Информационни системи"</a:t>
             </a:r>
             <a:endParaRPr lang="en-US" dirty="0"/>
           </a:p>

--- a/Courses/Software-Sciences/Module-4-Information-Systems-New/08-Navigation-between-tables/08-Navigation-between-tables.pptx
+++ b/Courses/Software-Sciences/Module-4-Information-Systems-New/08-Navigation-between-tables/08-Navigation-between-tables.pptx
@@ -165,7 +165,7 @@
             <p14:sldId id="571"/>
           </p14:sldIdLst>
         </p14:section>
-        <p14:section name="Атрибути в EF" id="{147F3A6C-0EC2-DF40-AC60-15E62D26AFD7}">
+        <p14:section name="Атрибути в EF Core" id="{147F3A6C-0EC2-DF40-AC60-15E62D26AFD7}">
           <p14:sldIdLst>
             <p14:sldId id="743"/>
             <p14:sldId id="746"/>
@@ -173,7 +173,7 @@
             <p14:sldId id="747"/>
           </p14:sldIdLst>
         </p14:section>
-        <p14:section name="Имплементиране на Master-Detail с EF" id="{7301398C-D23A-B047-96BF-236852349065}">
+        <p14:section name="Имплементиране на Master-Detail с EF Core" id="{7301398C-D23A-B047-96BF-236852349065}">
           <p14:sldIdLst>
             <p14:sldId id="750"/>
             <p14:sldId id="557"/>
@@ -327,7 +327,7 @@
           <a:p>
             <a:fld id="{4E087215-0C8F-4762-A664-737A353EC9A4}" type="datetimeFigureOut">
               <a:rPr lang="bg-BG" smtClean="0"/>
-              <a:t>17.06.24 г.</a:t>
+              <a:t>3.07.24 г.</a:t>
             </a:fld>
             <a:endParaRPr lang="bg-BG"/>
           </a:p>
@@ -523,7 +523,7 @@
           <a:p>
             <a:fld id="{72D84649-876A-46C9-8472-14CB09C070D8}" type="datetimeFigureOut">
               <a:rPr lang="en-US" smtClean="0"/>
-              <a:t>6/17/24</a:t>
+              <a:t>7/3/24</a:t>
             </a:fld>
             <a:endParaRPr lang="en-US"/>
           </a:p>
@@ -8902,7 +8902,7 @@
             </a:r>
             <a:r>
               <a:rPr lang="en-US" dirty="0"/>
-              <a:t>EF (1)</a:t>
+              <a:t>EF Core (1)</a:t>
             </a:r>
             <a:endParaRPr lang="en-BG" dirty="0"/>
           </a:p>
@@ -9692,7 +9692,7 @@
             </a:r>
             <a:r>
               <a:rPr lang="en-US" dirty="0"/>
-              <a:t>EF (2)</a:t>
+              <a:t>EF Core (2)</a:t>
             </a:r>
             <a:endParaRPr lang="en-BG" dirty="0"/>
           </a:p>
@@ -10920,7 +10920,7 @@
             </a:r>
             <a:r>
               <a:rPr lang="en-US" sz="4400" dirty="0"/>
-              <a:t>Entity Framework</a:t>
+              <a:t>Entity Framework Core</a:t>
             </a:r>
           </a:p>
         </p:txBody>
@@ -14434,7 +14434,7 @@
             </a:r>
             <a:r>
               <a:rPr lang="en-US" b="1" dirty="0"/>
-              <a:t>Entity Framework</a:t>
+              <a:t>Entity Framework Core</a:t>
             </a:r>
             <a:endParaRPr lang="bg-BG" b="1" dirty="0"/>
           </a:p>
@@ -14469,7 +14469,7 @@
                   <a:schemeClr val="bg1"/>
                 </a:solidFill>
               </a:rPr>
-              <a:t>F</a:t>
+              <a:t>F Core</a:t>
             </a:r>
           </a:p>
           <a:p>
@@ -15201,15 +15201,13 @@
                 <a:srgbClr val="F2B254"/>
               </a:buClr>
               <a:buSzPct val="100000"/>
-              <a:buFont typeface="Wingdings" panose="05000000000000000000" pitchFamily="2" charset="2"/>
-              <a:buNone/>
             </a:pPr>
             <a:r>
               <a:rPr lang="en-US" sz="2600" b="1" noProof="1">
                 <a:latin typeface="Consolas" pitchFamily="49" charset="0"/>
                 <a:cs typeface="Consolas" pitchFamily="49" charset="0"/>
               </a:rPr>
-              <a:t>    dataGridViewTowns.DataSource = towns;</a:t>
+              <a:t>    townBindingSource.DataSource = towns;</a:t>
             </a:r>
           </a:p>
           <a:p>
@@ -15700,7 +15698,7 @@
                 <a:latin typeface="Consolas" pitchFamily="49" charset="0"/>
                 <a:cs typeface="Consolas" pitchFamily="49" charset="0"/>
               </a:rPr>
-              <a:t>    dataGridViewTowns.DataSource = towns;</a:t>
+              <a:t>   townBindingSource.DataSource = towns;</a:t>
             </a:r>
           </a:p>
           <a:p>
@@ -16837,7 +16835,7 @@
             </a:r>
             <a:r>
               <a:rPr lang="en-US" sz="3000" b="1" dirty="0"/>
-              <a:t>EF</a:t>
+              <a:t>EF Core</a:t>
             </a:r>
           </a:p>
           <a:p>
@@ -17032,7 +17030,7 @@
             </a:r>
             <a:r>
               <a:rPr lang="en-US" dirty="0"/>
-              <a:t>EF</a:t>
+              <a:t>EF Core</a:t>
             </a:r>
             <a:endParaRPr lang="en-BG" dirty="0"/>
           </a:p>
@@ -17629,8 +17627,8 @@
         </p:nvSpPr>
         <p:spPr bwMode="auto">
           <a:xfrm>
-            <a:off x="627830" y="2635736"/>
-            <a:ext cx="11125200" cy="3080431"/>
+            <a:off x="619841" y="2304000"/>
+            <a:ext cx="11125200" cy="4126872"/>
           </a:xfrm>
           <a:prstGeom prst="rect">
             <a:avLst/>
@@ -17672,16 +17670,12 @@
               <a:buNone/>
             </a:pPr>
             <a:r>
-              <a:rPr lang="en-US" b="1" noProof="1">
+              <a:rPr lang="en-US" sz="1400" b="1" noProof="1">
                 <a:latin typeface="Consolas" pitchFamily="49" charset="0"/>
                 <a:cs typeface="Consolas" pitchFamily="49" charset="0"/>
               </a:rPr>
               <a:t>private void dataGridViewCountries_SelectionChanged(object sender, EventArgs e)</a:t>
             </a:r>
-            <a:endParaRPr lang="bg-BG" b="1" noProof="1">
-              <a:latin typeface="Consolas" pitchFamily="49" charset="0"/>
-              <a:cs typeface="Consolas" pitchFamily="49" charset="0"/>
-            </a:endParaRPr>
           </a:p>
           <a:p>
             <a:pPr>
@@ -17699,16 +17693,12 @@
               <a:buNone/>
             </a:pPr>
             <a:r>
-              <a:rPr lang="en-US" b="1" noProof="1">
+              <a:rPr lang="en-US" sz="1400" b="1" noProof="1">
                 <a:latin typeface="Consolas" pitchFamily="49" charset="0"/>
                 <a:cs typeface="Consolas" pitchFamily="49" charset="0"/>
               </a:rPr>
               <a:t>{</a:t>
             </a:r>
-            <a:endParaRPr lang="bg-BG" b="1" noProof="1">
-              <a:latin typeface="Consolas" pitchFamily="49" charset="0"/>
-              <a:cs typeface="Consolas" pitchFamily="49" charset="0"/>
-            </a:endParaRPr>
           </a:p>
           <a:p>
             <a:pPr>
@@ -17726,18 +17716,11 @@
               <a:buNone/>
             </a:pPr>
             <a:r>
-              <a:rPr lang="bg-BG" b="1" noProof="1">
+              <a:rPr lang="en-US" sz="1400" b="1" noProof="1">
                 <a:latin typeface="Consolas" pitchFamily="49" charset="0"/>
                 <a:cs typeface="Consolas" pitchFamily="49" charset="0"/>
               </a:rPr>
-              <a:t>    </a:t>
-            </a:r>
-            <a:r>
-              <a:rPr lang="en-US" b="1" noProof="1">
-                <a:latin typeface="Consolas" pitchFamily="49" charset="0"/>
-                <a:cs typeface="Consolas" pitchFamily="49" charset="0"/>
-              </a:rPr>
-              <a:t>var countryId = (int)this.dataGridViewCountries.</a:t>
+              <a:t>    using (var dbContext = new CountriesDbContext())</a:t>
             </a:r>
           </a:p>
           <a:p>
@@ -17756,16 +17739,12 @@
               <a:buNone/>
             </a:pPr>
             <a:r>
-              <a:rPr lang="en-US" b="1" noProof="1">
+              <a:rPr lang="en-US" sz="1400" b="1" noProof="1">
                 <a:latin typeface="Consolas" pitchFamily="49" charset="0"/>
                 <a:cs typeface="Consolas" pitchFamily="49" charset="0"/>
               </a:rPr>
-              <a:t>		                CurrentRow.Cells["CountryId"].Value; </a:t>
-            </a:r>
-            <a:endParaRPr lang="bg-BG" b="1" noProof="1">
-              <a:latin typeface="Consolas" pitchFamily="49" charset="0"/>
-              <a:cs typeface="Consolas" pitchFamily="49" charset="0"/>
-            </a:endParaRPr>
+              <a:t>    {</a:t>
+            </a:r>
           </a:p>
           <a:p>
             <a:pPr>
@@ -17783,16 +17762,46 @@
               <a:buNone/>
             </a:pPr>
             <a:r>
-              <a:rPr lang="en-US" b="1" noProof="1">
+              <a:rPr lang="en-US" sz="1400" b="1" noProof="1">
                 <a:latin typeface="Consolas" pitchFamily="49" charset="0"/>
                 <a:cs typeface="Consolas" pitchFamily="49" charset="0"/>
               </a:rPr>
-              <a:t>    var towns = this.dbContext.Towns.Where(t =&gt; t.CountryId == countryId).ToList();</a:t>
-            </a:r>
-            <a:endParaRPr lang="bg-BG" b="1" noProof="1">
-              <a:latin typeface="Consolas" pitchFamily="49" charset="0"/>
-              <a:cs typeface="Consolas" pitchFamily="49" charset="0"/>
-            </a:endParaRPr>
+              <a:t>        var selectedCountry = (Country)</a:t>
+            </a:r>
+            <a:r>
+              <a:rPr lang="en-US" sz="1400" b="1" noProof="1">
+                <a:solidFill>
+                  <a:schemeClr val="bg1"/>
+                </a:solidFill>
+                <a:latin typeface="Consolas" pitchFamily="49" charset="0"/>
+                <a:cs typeface="Consolas" pitchFamily="49" charset="0"/>
+              </a:rPr>
+              <a:t>countryBindingSource</a:t>
+            </a:r>
+            <a:r>
+              <a:rPr lang="en-US" sz="1400" b="1" noProof="1">
+                <a:latin typeface="Consolas" pitchFamily="49" charset="0"/>
+                <a:cs typeface="Consolas" pitchFamily="49" charset="0"/>
+              </a:rPr>
+              <a:t>.</a:t>
+            </a:r>
+            <a:r>
+              <a:rPr lang="en-US" sz="1400" b="1" noProof="1">
+                <a:solidFill>
+                  <a:schemeClr val="bg1"/>
+                </a:solidFill>
+                <a:latin typeface="Consolas" pitchFamily="49" charset="0"/>
+                <a:cs typeface="Consolas" pitchFamily="49" charset="0"/>
+              </a:rPr>
+              <a:t>Current</a:t>
+            </a:r>
+            <a:r>
+              <a:rPr lang="en-US" sz="1400" b="1" noProof="1">
+                <a:latin typeface="Consolas" pitchFamily="49" charset="0"/>
+                <a:cs typeface="Consolas" pitchFamily="49" charset="0"/>
+              </a:rPr>
+              <a:t>;</a:t>
+            </a:r>
           </a:p>
           <a:p>
             <a:pPr>
@@ -17810,23 +17819,12 @@
               <a:buNone/>
             </a:pPr>
             <a:r>
-              <a:rPr lang="bg-BG" b="1" noProof="1">
+              <a:rPr lang="en-US" sz="1400" b="1" noProof="1">
                 <a:latin typeface="Consolas" pitchFamily="49" charset="0"/>
                 <a:cs typeface="Consolas" pitchFamily="49" charset="0"/>
               </a:rPr>
-              <a:t>    </a:t>
-            </a:r>
-            <a:r>
-              <a:rPr lang="en-US" b="1" noProof="1">
-                <a:latin typeface="Consolas" pitchFamily="49" charset="0"/>
-                <a:cs typeface="Consolas" pitchFamily="49" charset="0"/>
-              </a:rPr>
-              <a:t>this.dataGridViewTowns.DataSource = towns;</a:t>
-            </a:r>
-            <a:endParaRPr lang="bg-BG" b="1" noProof="1">
-              <a:latin typeface="Consolas" pitchFamily="49" charset="0"/>
-              <a:cs typeface="Consolas" pitchFamily="49" charset="0"/>
-            </a:endParaRPr>
+              <a:t>        if (selectedCountry == null) return;</a:t>
+            </a:r>
           </a:p>
           <a:p>
             <a:pPr>
@@ -17844,16 +17842,187 @@
               <a:buNone/>
             </a:pPr>
             <a:r>
-              <a:rPr lang="en-US" b="1" noProof="1">
+              <a:rPr lang="en-US" sz="1400" b="1" noProof="1">
                 <a:latin typeface="Consolas" pitchFamily="49" charset="0"/>
                 <a:cs typeface="Consolas" pitchFamily="49" charset="0"/>
               </a:rPr>
+              <a:t>        var countryId = selectedCountry.</a:t>
+            </a:r>
+            <a:r>
+              <a:rPr lang="en-US" sz="1400" b="1" noProof="1">
+                <a:solidFill>
+                  <a:schemeClr val="bg1"/>
+                </a:solidFill>
+                <a:latin typeface="Consolas" pitchFamily="49" charset="0"/>
+                <a:cs typeface="Consolas" pitchFamily="49" charset="0"/>
+              </a:rPr>
+              <a:t>CountryId</a:t>
+            </a:r>
+            <a:r>
+              <a:rPr lang="en-US" sz="1400" b="1" noProof="1">
+                <a:latin typeface="Consolas" pitchFamily="49" charset="0"/>
+                <a:cs typeface="Consolas" pitchFamily="49" charset="0"/>
+              </a:rPr>
+              <a:t>;</a:t>
+            </a:r>
+          </a:p>
+          <a:p>
+            <a:pPr>
+              <a:spcBef>
+                <a:spcPts val="600"/>
+              </a:spcBef>
+              <a:spcAft>
+                <a:spcPts val="600"/>
+              </a:spcAft>
+              <a:buClr>
+                <a:srgbClr val="F2B254"/>
+              </a:buClr>
+              <a:buSzPct val="100000"/>
+              <a:buFont typeface="Wingdings" panose="05000000000000000000" pitchFamily="2" charset="2"/>
+              <a:buNone/>
+            </a:pPr>
+            <a:r>
+              <a:rPr lang="en-US" sz="1400" b="1" noProof="1">
+                <a:latin typeface="Consolas" pitchFamily="49" charset="0"/>
+                <a:cs typeface="Consolas" pitchFamily="49" charset="0"/>
+              </a:rPr>
+              <a:t>        var towns = dbContext.Towns.</a:t>
+            </a:r>
+            <a:r>
+              <a:rPr lang="en-US" sz="1400" b="1" noProof="1">
+                <a:solidFill>
+                  <a:schemeClr val="bg1"/>
+                </a:solidFill>
+                <a:latin typeface="Consolas" pitchFamily="49" charset="0"/>
+                <a:cs typeface="Consolas" pitchFamily="49" charset="0"/>
+              </a:rPr>
+              <a:t>Where</a:t>
+            </a:r>
+            <a:r>
+              <a:rPr lang="en-US" sz="1400" b="1" noProof="1">
+                <a:latin typeface="Consolas" pitchFamily="49" charset="0"/>
+                <a:cs typeface="Consolas" pitchFamily="49" charset="0"/>
+              </a:rPr>
+              <a:t>(t =&gt; t.CountryId == countryId).ToList();</a:t>
+            </a:r>
+          </a:p>
+          <a:p>
+            <a:pPr>
+              <a:spcBef>
+                <a:spcPts val="600"/>
+              </a:spcBef>
+              <a:spcAft>
+                <a:spcPts val="600"/>
+              </a:spcAft>
+              <a:buClr>
+                <a:srgbClr val="F2B254"/>
+              </a:buClr>
+              <a:buSzPct val="100000"/>
+            </a:pPr>
+            <a:r>
+              <a:rPr lang="en-US" sz="1400" b="1" noProof="1">
+                <a:latin typeface="Consolas" pitchFamily="49" charset="0"/>
+                <a:cs typeface="Consolas" pitchFamily="49" charset="0"/>
+              </a:rPr>
+              <a:t>        if (towns.Count &gt; 0) this.</a:t>
+            </a:r>
+            <a:r>
+              <a:rPr lang="en-US" sz="1400" b="1" noProof="1">
+                <a:solidFill>
+                  <a:schemeClr val="bg1"/>
+                </a:solidFill>
+                <a:latin typeface="Consolas" pitchFamily="49" charset="0"/>
+                <a:cs typeface="Consolas" pitchFamily="49" charset="0"/>
+              </a:rPr>
+              <a:t>townBindingSource</a:t>
+            </a:r>
+            <a:r>
+              <a:rPr lang="en-US" sz="1400" b="1" noProof="1">
+                <a:latin typeface="Consolas" pitchFamily="49" charset="0"/>
+                <a:cs typeface="Consolas" pitchFamily="49" charset="0"/>
+              </a:rPr>
+              <a:t>.</a:t>
+            </a:r>
+            <a:r>
+              <a:rPr lang="en-US" sz="1400" b="1" noProof="1">
+                <a:solidFill>
+                  <a:schemeClr val="bg1"/>
+                </a:solidFill>
+                <a:latin typeface="Consolas" pitchFamily="49" charset="0"/>
+                <a:cs typeface="Consolas" pitchFamily="49" charset="0"/>
+              </a:rPr>
+              <a:t>DataSource</a:t>
+            </a:r>
+            <a:r>
+              <a:rPr lang="en-US" sz="1400" b="1" noProof="1">
+                <a:latin typeface="Consolas" pitchFamily="49" charset="0"/>
+                <a:cs typeface="Consolas" pitchFamily="49" charset="0"/>
+              </a:rPr>
+              <a:t> = </a:t>
+            </a:r>
+            <a:r>
+              <a:rPr lang="en-US" sz="1400" b="1" noProof="1">
+                <a:solidFill>
+                  <a:schemeClr val="bg1"/>
+                </a:solidFill>
+                <a:latin typeface="Consolas" pitchFamily="49" charset="0"/>
+                <a:cs typeface="Consolas" pitchFamily="49" charset="0"/>
+              </a:rPr>
+              <a:t>towns</a:t>
+            </a:r>
+            <a:r>
+              <a:rPr lang="en-US" sz="1400" b="1" noProof="1">
+                <a:latin typeface="Consolas" pitchFamily="49" charset="0"/>
+                <a:cs typeface="Consolas" pitchFamily="49" charset="0"/>
+              </a:rPr>
+              <a:t>;</a:t>
+            </a:r>
+          </a:p>
+          <a:p>
+            <a:pPr>
+              <a:spcBef>
+                <a:spcPts val="600"/>
+              </a:spcBef>
+              <a:spcAft>
+                <a:spcPts val="600"/>
+              </a:spcAft>
+              <a:buClr>
+                <a:srgbClr val="F2B254"/>
+              </a:buClr>
+              <a:buSzPct val="100000"/>
+              <a:buFont typeface="Wingdings" panose="05000000000000000000" pitchFamily="2" charset="2"/>
+              <a:buNone/>
+            </a:pPr>
+            <a:r>
+              <a:rPr lang="en-US" sz="1400" b="1" noProof="1">
+                <a:latin typeface="Consolas" pitchFamily="49" charset="0"/>
+                <a:cs typeface="Consolas" pitchFamily="49" charset="0"/>
+              </a:rPr>
+              <a:t>    }</a:t>
+            </a:r>
+          </a:p>
+          <a:p>
+            <a:pPr>
+              <a:spcBef>
+                <a:spcPts val="600"/>
+              </a:spcBef>
+              <a:spcAft>
+                <a:spcPts val="600"/>
+              </a:spcAft>
+              <a:buClr>
+                <a:srgbClr val="F2B254"/>
+              </a:buClr>
+              <a:buSzPct val="100000"/>
+              <a:buFont typeface="Wingdings" panose="05000000000000000000" pitchFamily="2" charset="2"/>
+              <a:buNone/>
+            </a:pPr>
+            <a:r>
+              <a:rPr lang="en-US" sz="1400" b="1" noProof="1">
+                <a:latin typeface="Consolas" pitchFamily="49" charset="0"/>
+                <a:cs typeface="Consolas" pitchFamily="49" charset="0"/>
+              </a:rPr>
               <a:t>}</a:t>
             </a:r>
-            <a:endParaRPr lang="en-US" sz="4000" b="1" noProof="1">
-              <a:latin typeface="Consolas" pitchFamily="49" charset="0"/>
-              <a:cs typeface="Consolas" pitchFamily="49" charset="0"/>
-            </a:endParaRPr>
           </a:p>
         </p:txBody>
       </p:sp>
@@ -18110,19 +18279,19 @@
           <a:lstStyle/>
           <a:p>
             <a:r>
-              <a:rPr lang="bg-BG" sz="2600" dirty="0"/>
+              <a:rPr lang="bg-BG" sz="2400" dirty="0"/>
               <a:t>Добавяме </a:t>
             </a:r>
             <a:r>
-              <a:rPr lang="bg-BG" sz="2600" b="1" dirty="0"/>
+              <a:rPr lang="bg-BG" sz="2400" b="1" dirty="0"/>
               <a:t>метод-обработчик</a:t>
             </a:r>
             <a:r>
-              <a:rPr lang="bg-BG" sz="2600" dirty="0"/>
+              <a:rPr lang="bg-BG" sz="2400" dirty="0"/>
               <a:t> при </a:t>
             </a:r>
             <a:r>
-              <a:rPr lang="en-US" sz="2600" b="1" dirty="0">
+              <a:rPr lang="en-US" sz="2400" b="1" dirty="0">
                 <a:solidFill>
                   <a:schemeClr val="bg1"/>
                 </a:solidFill>
@@ -18132,7 +18301,7 @@
               <a:t>TextChanged</a:t>
             </a:r>
             <a:r>
-              <a:rPr lang="en-US" sz="2600" b="1" dirty="0">
+              <a:rPr lang="en-US" sz="2400" b="1" dirty="0">
                 <a:solidFill>
                   <a:schemeClr val="bg1"/>
                 </a:solidFill>
@@ -18142,14 +18311,14 @@
               <a:t> </a:t>
             </a:r>
             <a:r>
-              <a:rPr lang="bg-BG" sz="2600" dirty="0"/>
+              <a:rPr lang="bg-BG" sz="2400" dirty="0"/>
               <a:t>на </a:t>
             </a:r>
             <a:r>
-              <a:rPr lang="en-US" sz="2600" b="1" dirty="0"/>
+              <a:rPr lang="en-US" sz="2400" b="1" dirty="0"/>
               <a:t>textBoxFilter</a:t>
             </a:r>
-            <a:endParaRPr lang="bg-BG" sz="2600" b="1" dirty="0"/>
+            <a:endParaRPr lang="bg-BG" sz="2400" b="1" dirty="0"/>
           </a:p>
           <a:p>
             <a:endParaRPr lang="bg-BG" sz="2800" b="1" dirty="0">
@@ -18161,18 +18330,24 @@
             </a:endParaRPr>
           </a:p>
           <a:p>
-            <a:endParaRPr lang="bg-BG" sz="2600" dirty="0"/>
-          </a:p>
-          <a:p>
-            <a:endParaRPr lang="bg-BG" sz="2600" dirty="0"/>
-          </a:p>
-          <a:p>
-            <a:r>
-              <a:rPr lang="bg-BG" sz="2600" dirty="0"/>
+            <a:pPr marL="0" indent="0">
+              <a:buNone/>
+            </a:pPr>
+            <a:endParaRPr lang="en-US" sz="2600" dirty="0"/>
+          </a:p>
+          <a:p>
+            <a:pPr marL="0" indent="0">
+              <a:buNone/>
+            </a:pPr>
+            <a:endParaRPr lang="bg-BG" sz="900" dirty="0"/>
+          </a:p>
+          <a:p>
+            <a:r>
+              <a:rPr lang="bg-BG" sz="2400" dirty="0"/>
               <a:t>Имплементираме </a:t>
             </a:r>
             <a:r>
-              <a:rPr lang="bg-BG" sz="2600" b="1" dirty="0">
+              <a:rPr lang="bg-BG" sz="2400" b="1" dirty="0">
                 <a:solidFill>
                   <a:schemeClr val="bg1"/>
                 </a:solidFill>
@@ -18180,14 +18355,14 @@
               <a:t>живо търсене </a:t>
             </a:r>
             <a:r>
-              <a:rPr lang="bg-BG" sz="2600" dirty="0"/>
+              <a:rPr lang="bg-BG" sz="2400" dirty="0"/>
               <a:t>по </a:t>
             </a:r>
             <a:r>
-              <a:rPr lang="bg-BG" sz="2600" b="1" dirty="0"/>
+              <a:rPr lang="bg-BG" sz="2400" b="1" dirty="0"/>
               <a:t>име</a:t>
             </a:r>
-            <a:endParaRPr lang="en-BG" sz="2600" b="1" dirty="0"/>
+            <a:endParaRPr lang="en-BG" sz="2400" b="1" dirty="0"/>
           </a:p>
         </p:txBody>
       </p:sp>
@@ -18236,8 +18411,8 @@
         </p:nvSpPr>
         <p:spPr bwMode="auto">
           <a:xfrm>
-            <a:off x="614003" y="3935190"/>
-            <a:ext cx="11125200" cy="2711100"/>
+            <a:off x="614003" y="3606809"/>
+            <a:ext cx="11125200" cy="2926543"/>
           </a:xfrm>
           <a:prstGeom prst="rect">
             <a:avLst/>
@@ -18279,11 +18454,11 @@
               <a:buNone/>
             </a:pPr>
             <a:r>
-              <a:rPr lang="en-US" sz="1600" b="1" noProof="1">
+              <a:rPr lang="en-US" b="1" noProof="1">
                 <a:latin typeface="Consolas" pitchFamily="49" charset="0"/>
                 <a:cs typeface="Consolas" pitchFamily="49" charset="0"/>
               </a:rPr>
-              <a:t>private void textBoxFilter_TextChanged(object sender, EventArgs e)</a:t>
+              <a:t>using (var dbContext = new CountriesDbContext())</a:t>
             </a:r>
           </a:p>
           <a:p>
@@ -18302,7 +18477,7 @@
               <a:buNone/>
             </a:pPr>
             <a:r>
-              <a:rPr lang="en-US" sz="1600" b="1" noProof="1">
+              <a:rPr lang="en-US" b="1" noProof="1">
                 <a:latin typeface="Consolas" pitchFamily="49" charset="0"/>
                 <a:cs typeface="Consolas" pitchFamily="49" charset="0"/>
               </a:rPr>
@@ -18325,11 +18500,11 @@
               <a:buNone/>
             </a:pPr>
             <a:r>
-              <a:rPr lang="en-US" sz="1600" b="1" noProof="1">
+              <a:rPr lang="en-US" b="1" noProof="1">
                 <a:latin typeface="Consolas" pitchFamily="49" charset="0"/>
                 <a:cs typeface="Consolas" pitchFamily="49" charset="0"/>
               </a:rPr>
-              <a:t>    var filterText = this.textBoxFilter.Text.ToLower();</a:t>
+              <a:t>    var filterText = this.textBoxFilter.Text.ToLower();</a:t>
             </a:r>
           </a:p>
           <a:p>
@@ -18348,25 +18523,100 @@
               <a:buNone/>
             </a:pPr>
             <a:r>
-              <a:rPr lang="en-US" sz="1600" b="1" noProof="1">
+              <a:rPr lang="en-US" b="1" noProof="1">
                 <a:latin typeface="Consolas" pitchFamily="49" charset="0"/>
                 <a:cs typeface="Consolas" pitchFamily="49" charset="0"/>
               </a:rPr>
-              <a:t>    var filteredCountries = this.dbContext.Countries.Where(c =&gt; </a:t>
-            </a:r>
-            <a:r>
-              <a:rPr lang="bg-BG" sz="1600" b="1" noProof="1">
+              <a:t>    var filteredCountries = dbContext.Countries.</a:t>
+            </a:r>
+            <a:r>
+              <a:rPr lang="en-US" b="1" noProof="1">
+                <a:solidFill>
+                  <a:schemeClr val="bg1"/>
+                </a:solidFill>
                 <a:latin typeface="Consolas" pitchFamily="49" charset="0"/>
                 <a:cs typeface="Consolas" pitchFamily="49" charset="0"/>
               </a:rPr>
-              <a:t>				</a:t>
-            </a:r>
-            <a:r>
-              <a:rPr lang="en-US" sz="1600" b="1" noProof="1">
+              <a:t>Where</a:t>
+            </a:r>
+            <a:r>
+              <a:rPr lang="en-US" b="1" noProof="1">
                 <a:latin typeface="Consolas" pitchFamily="49" charset="0"/>
                 <a:cs typeface="Consolas" pitchFamily="49" charset="0"/>
               </a:rPr>
-              <a:t>c.CountryName.ToLower().Contains(filterText)).ToList();</a:t>
+              <a:t>(c =&gt;         	c.CountryName.ToLower().Contains(filterText)).ToList();</a:t>
+            </a:r>
+          </a:p>
+          <a:p>
+            <a:pPr>
+              <a:spcBef>
+                <a:spcPts val="600"/>
+              </a:spcBef>
+              <a:spcAft>
+                <a:spcPts val="600"/>
+              </a:spcAft>
+              <a:buClr>
+                <a:srgbClr val="F2B254"/>
+              </a:buClr>
+              <a:buSzPct val="100000"/>
+            </a:pPr>
+            <a:r>
+              <a:rPr lang="en-US" b="1" noProof="1">
+                <a:latin typeface="Consolas" pitchFamily="49" charset="0"/>
+                <a:cs typeface="Consolas" pitchFamily="49" charset="0"/>
+              </a:rPr>
+              <a:t>    this.</a:t>
+            </a:r>
+            <a:r>
+              <a:rPr lang="en-US" b="1" noProof="1">
+                <a:solidFill>
+                  <a:schemeClr val="bg1"/>
+                </a:solidFill>
+                <a:latin typeface="Consolas" pitchFamily="49" charset="0"/>
+                <a:cs typeface="Consolas" pitchFamily="49" charset="0"/>
+              </a:rPr>
+              <a:t>countryBindingSource</a:t>
+            </a:r>
+            <a:r>
+              <a:rPr lang="en-US" b="1" noProof="1">
+                <a:latin typeface="Consolas" pitchFamily="49" charset="0"/>
+                <a:cs typeface="Consolas" pitchFamily="49" charset="0"/>
+              </a:rPr>
+              <a:t>.</a:t>
+            </a:r>
+            <a:r>
+              <a:rPr lang="en-US" b="1" noProof="1">
+                <a:solidFill>
+                  <a:schemeClr val="bg1"/>
+                </a:solidFill>
+                <a:latin typeface="Consolas" pitchFamily="49" charset="0"/>
+                <a:cs typeface="Consolas" pitchFamily="49" charset="0"/>
+              </a:rPr>
+              <a:t>DataSource</a:t>
+            </a:r>
+            <a:r>
+              <a:rPr lang="en-US" b="1" noProof="1">
+                <a:latin typeface="Consolas" pitchFamily="49" charset="0"/>
+                <a:cs typeface="Consolas" pitchFamily="49" charset="0"/>
+              </a:rPr>
+              <a:t> = </a:t>
+            </a:r>
+            <a:r>
+              <a:rPr lang="en-US" b="1" noProof="1">
+                <a:solidFill>
+                  <a:schemeClr val="bg1"/>
+                </a:solidFill>
+                <a:latin typeface="Consolas" pitchFamily="49" charset="0"/>
+                <a:cs typeface="Consolas" pitchFamily="49" charset="0"/>
+              </a:rPr>
+              <a:t>filteredCountries</a:t>
+            </a:r>
+            <a:r>
+              <a:rPr lang="en-US" b="1" noProof="1">
+                <a:latin typeface="Consolas" pitchFamily="49" charset="0"/>
+                <a:cs typeface="Consolas" pitchFamily="49" charset="0"/>
+              </a:rPr>
+              <a:t>;</a:t>
             </a:r>
           </a:p>
           <a:p>
@@ -18385,30 +18635,7 @@
               <a:buNone/>
             </a:pPr>
             <a:r>
-              <a:rPr lang="en-US" sz="1600" b="1" noProof="1">
-                <a:latin typeface="Consolas" pitchFamily="49" charset="0"/>
-                <a:cs typeface="Consolas" pitchFamily="49" charset="0"/>
-              </a:rPr>
-              <a:t>    this.dataGridViewCountries.DataSource = filteredCountries;</a:t>
-            </a:r>
-          </a:p>
-          <a:p>
-            <a:pPr>
-              <a:spcBef>
-                <a:spcPts val="600"/>
-              </a:spcBef>
-              <a:spcAft>
-                <a:spcPts val="600"/>
-              </a:spcAft>
-              <a:buClr>
-                <a:srgbClr val="F2B254"/>
-              </a:buClr>
-              <a:buSzPct val="100000"/>
-              <a:buFont typeface="Wingdings" panose="05000000000000000000" pitchFamily="2" charset="2"/>
-              <a:buNone/>
-            </a:pPr>
-            <a:r>
-              <a:rPr lang="en-US" sz="1600" b="1" noProof="1">
+              <a:rPr lang="en-US" b="1" noProof="1">
                 <a:latin typeface="Consolas" pitchFamily="49" charset="0"/>
                 <a:cs typeface="Consolas" pitchFamily="49" charset="0"/>
               </a:rPr>
@@ -18445,8 +18672,8 @@
         </p:blipFill>
         <p:spPr>
           <a:xfrm>
-            <a:off x="614003" y="1748649"/>
-            <a:ext cx="4068592" cy="1634017"/>
+            <a:off x="614003" y="1697075"/>
+            <a:ext cx="3608666" cy="1449303"/>
           </a:xfrm>
           <a:prstGeom prst="rect">
             <a:avLst/>
@@ -19499,7 +19726,7 @@
         <p:spPr bwMode="auto">
           <a:xfrm>
             <a:off x="533400" y="1216735"/>
-            <a:ext cx="11125200" cy="5296423"/>
+            <a:ext cx="11125200" cy="5173312"/>
           </a:xfrm>
           <a:prstGeom prst="rect">
             <a:avLst/>
@@ -19527,8 +19754,7 @@
           <a:lstStyle/>
           <a:p>
             <a:r>
-              <a:rPr lang="en-GB" sz="1600" b="1" dirty="0">
-                <a:effectLst/>
+              <a:rPr lang="en-GB" sz="1400" b="1" dirty="0">
                 <a:latin typeface="Consolas" panose="020B0609020204030204" pitchFamily="49" charset="0"/>
                 <a:cs typeface="Consolas" panose="020B0609020204030204" pitchFamily="49" charset="0"/>
               </a:rPr>
@@ -19537,8 +19763,7 @@
           </a:p>
           <a:p>
             <a:r>
-              <a:rPr lang="en-GB" sz="1600" b="1" dirty="0">
-                <a:effectLst/>
+              <a:rPr lang="en-GB" sz="1400" b="1" dirty="0">
                 <a:latin typeface="Consolas" panose="020B0609020204030204" pitchFamily="49" charset="0"/>
                 <a:cs typeface="Consolas" panose="020B0609020204030204" pitchFamily="49" charset="0"/>
               </a:rPr>
@@ -19547,285 +19772,372 @@
           </a:p>
           <a:p>
             <a:r>
-              <a:rPr lang="en-GB" sz="1600" b="1" dirty="0">
+              <a:rPr lang="en-GB" sz="1400" b="1" dirty="0">
                 <a:latin typeface="Consolas" panose="020B0609020204030204" pitchFamily="49" charset="0"/>
                 <a:cs typeface="Consolas" panose="020B0609020204030204" pitchFamily="49" charset="0"/>
               </a:rPr>
-              <a:t>    </a:t>
-            </a:r>
-            <a:r>
-              <a:rPr lang="en-GB" sz="1600" b="1" dirty="0">
-                <a:effectLst/>
+              <a:t>    using (var dbContext = new CountriesDbContext())</a:t>
+            </a:r>
+          </a:p>
+          <a:p>
+            <a:r>
+              <a:rPr lang="en-GB" sz="1400" b="1" dirty="0">
                 <a:latin typeface="Consolas" panose="020B0609020204030204" pitchFamily="49" charset="0"/>
                 <a:cs typeface="Consolas" panose="020B0609020204030204" pitchFamily="49" charset="0"/>
               </a:rPr>
-              <a:t>var countries = this.dbContext.Countries.AsQueryable();</a:t>
-            </a:r>
-            <a:endParaRPr lang="en-GB" sz="1600" b="1" dirty="0">
-              <a:latin typeface="Consolas" panose="020B0609020204030204" pitchFamily="49" charset="0"/>
-              <a:cs typeface="Consolas" panose="020B0609020204030204" pitchFamily="49" charset="0"/>
-            </a:endParaRPr>
-          </a:p>
-          <a:p>
-            <a:r>
-              <a:rPr lang="en-GB" sz="1600" b="1" dirty="0">
-                <a:effectLst/>
+              <a:t>    {</a:t>
+            </a:r>
+          </a:p>
+          <a:p>
+            <a:r>
+              <a:rPr lang="en-GB" sz="1400" b="1" dirty="0">
                 <a:latin typeface="Consolas" panose="020B0609020204030204" pitchFamily="49" charset="0"/>
                 <a:cs typeface="Consolas" panose="020B0609020204030204" pitchFamily="49" charset="0"/>
               </a:rPr>
-              <a:t>    switch (columnName)</a:t>
-            </a:r>
-          </a:p>
-          <a:p>
-            <a:r>
-              <a:rPr lang="en-GB" sz="1600" b="1" dirty="0">
-                <a:effectLst/>
+              <a:t>        var countries = dbContext.Countries.AsQueryable();</a:t>
+            </a:r>
+          </a:p>
+          <a:p>
+            <a:r>
+              <a:rPr lang="en-GB" sz="1400" b="1" dirty="0">
                 <a:latin typeface="Consolas" panose="020B0609020204030204" pitchFamily="49" charset="0"/>
                 <a:cs typeface="Consolas" panose="020B0609020204030204" pitchFamily="49" charset="0"/>
               </a:rPr>
-              <a:t>    {</a:t>
-            </a:r>
-          </a:p>
-          <a:p>
-            <a:r>
-              <a:rPr lang="en-GB" sz="1600" b="1" dirty="0">
-                <a:effectLst/>
+              <a:t>        switch (columnName)</a:t>
+            </a:r>
+          </a:p>
+          <a:p>
+            <a:r>
+              <a:rPr lang="en-GB" sz="1400" b="1" dirty="0">
                 <a:latin typeface="Consolas" panose="020B0609020204030204" pitchFamily="49" charset="0"/>
                 <a:cs typeface="Consolas" panose="020B0609020204030204" pitchFamily="49" charset="0"/>
               </a:rPr>
-              <a:t>        case "</a:t>
-            </a:r>
-            <a:r>
-              <a:rPr lang="bg-BG" sz="1600" b="1" dirty="0">
-                <a:effectLst/>
+              <a:t>        {</a:t>
+            </a:r>
+          </a:p>
+          <a:p>
+            <a:r>
+              <a:rPr lang="en-GB" sz="1400" b="1" dirty="0">
                 <a:latin typeface="Consolas" panose="020B0609020204030204" pitchFamily="49" charset="0"/>
                 <a:cs typeface="Consolas" panose="020B0609020204030204" pitchFamily="49" charset="0"/>
               </a:rPr>
-              <a:t>Име (възходящо)":</a:t>
-            </a:r>
-          </a:p>
-          <a:p>
-            <a:r>
-              <a:rPr lang="bg-BG" sz="1600" b="1" dirty="0">
-                <a:effectLst/>
+              <a:t>            case "</a:t>
+            </a:r>
+            <a:r>
+              <a:rPr lang="bg-BG" sz="1400" b="1" dirty="0">
                 <a:latin typeface="Consolas" panose="020B0609020204030204" pitchFamily="49" charset="0"/>
                 <a:cs typeface="Consolas" panose="020B0609020204030204" pitchFamily="49" charset="0"/>
               </a:rPr>
-              <a:t>    </a:t>
-            </a:r>
-            <a:r>
-              <a:rPr lang="en-US" sz="1600" b="1" dirty="0">
-                <a:effectLst/>
+              <a:t>Име (възходящо)":</a:t>
+            </a:r>
+          </a:p>
+          <a:p>
+            <a:r>
+              <a:rPr lang="bg-BG" sz="1400" b="1" dirty="0">
                 <a:latin typeface="Consolas" panose="020B0609020204030204" pitchFamily="49" charset="0"/>
                 <a:cs typeface="Consolas" panose="020B0609020204030204" pitchFamily="49" charset="0"/>
               </a:rPr>
-              <a:t>        </a:t>
-            </a:r>
-            <a:r>
-              <a:rPr lang="en-GB" sz="1600" b="1" dirty="0">
-                <a:effectLst/>
+              <a:t>                </a:t>
+            </a:r>
+            <a:r>
+              <a:rPr lang="en-GB" sz="1400" b="1" dirty="0">
                 <a:latin typeface="Consolas" panose="020B0609020204030204" pitchFamily="49" charset="0"/>
                 <a:cs typeface="Consolas" panose="020B0609020204030204" pitchFamily="49" charset="0"/>
               </a:rPr>
-              <a:t>countries = countries.OrderBy(c =&gt; c.CountryName);</a:t>
-            </a:r>
-          </a:p>
-          <a:p>
-            <a:r>
-              <a:rPr lang="en-GB" sz="1600" b="1" dirty="0">
-                <a:effectLst/>
+              <a:t>countries = countries.</a:t>
+            </a:r>
+            <a:r>
+              <a:rPr lang="en-GB" sz="1400" b="1" dirty="0">
+                <a:solidFill>
+                  <a:schemeClr val="bg1"/>
+                </a:solidFill>
                 <a:latin typeface="Consolas" panose="020B0609020204030204" pitchFamily="49" charset="0"/>
                 <a:cs typeface="Consolas" panose="020B0609020204030204" pitchFamily="49" charset="0"/>
               </a:rPr>
-              <a:t>            break;</a:t>
-            </a:r>
-          </a:p>
-          <a:p>
-            <a:r>
-              <a:rPr lang="en-GB" sz="1600" b="1" dirty="0">
-                <a:effectLst/>
+              <a:t>OrderBy</a:t>
+            </a:r>
+            <a:r>
+              <a:rPr lang="en-GB" sz="1400" b="1" dirty="0">
                 <a:latin typeface="Consolas" panose="020B0609020204030204" pitchFamily="49" charset="0"/>
                 <a:cs typeface="Consolas" panose="020B0609020204030204" pitchFamily="49" charset="0"/>
               </a:rPr>
-              <a:t>        case "</a:t>
-            </a:r>
-            <a:r>
-              <a:rPr lang="bg-BG" sz="1600" b="1" dirty="0">
-                <a:effectLst/>
+              <a:t>(c =&gt; c.CountryName);</a:t>
+            </a:r>
+          </a:p>
+          <a:p>
+            <a:r>
+              <a:rPr lang="en-GB" sz="1400" b="1" dirty="0">
                 <a:latin typeface="Consolas" panose="020B0609020204030204" pitchFamily="49" charset="0"/>
                 <a:cs typeface="Consolas" panose="020B0609020204030204" pitchFamily="49" charset="0"/>
               </a:rPr>
-              <a:t>Име (низходящо)":</a:t>
-            </a:r>
-          </a:p>
-          <a:p>
-            <a:r>
-              <a:rPr lang="bg-BG" sz="1600" b="1" dirty="0">
-                <a:effectLst/>
+              <a:t>                break;</a:t>
+            </a:r>
+          </a:p>
+          <a:p>
+            <a:r>
+              <a:rPr lang="en-GB" sz="1400" b="1" dirty="0">
                 <a:latin typeface="Consolas" panose="020B0609020204030204" pitchFamily="49" charset="0"/>
                 <a:cs typeface="Consolas" panose="020B0609020204030204" pitchFamily="49" charset="0"/>
               </a:rPr>
-              <a:t>    </a:t>
-            </a:r>
-            <a:r>
-              <a:rPr lang="en-US" sz="1600" b="1" dirty="0">
-                <a:effectLst/>
+              <a:t>            case "</a:t>
+            </a:r>
+            <a:r>
+              <a:rPr lang="bg-BG" sz="1400" b="1" dirty="0">
                 <a:latin typeface="Consolas" panose="020B0609020204030204" pitchFamily="49" charset="0"/>
                 <a:cs typeface="Consolas" panose="020B0609020204030204" pitchFamily="49" charset="0"/>
               </a:rPr>
-              <a:t>        </a:t>
-            </a:r>
-            <a:r>
-              <a:rPr lang="en-GB" sz="1600" b="1" dirty="0">
-                <a:effectLst/>
+              <a:t>Име (низходящо)":</a:t>
+            </a:r>
+          </a:p>
+          <a:p>
+            <a:r>
+              <a:rPr lang="bg-BG" sz="1400" b="1" dirty="0">
                 <a:latin typeface="Consolas" panose="020B0609020204030204" pitchFamily="49" charset="0"/>
                 <a:cs typeface="Consolas" panose="020B0609020204030204" pitchFamily="49" charset="0"/>
               </a:rPr>
-              <a:t>countries = countries.OrderByDescending(c =&gt; c.CountryName);</a:t>
-            </a:r>
-          </a:p>
-          <a:p>
-            <a:r>
-              <a:rPr lang="en-GB" sz="1600" b="1" dirty="0">
-                <a:effectLst/>
+              <a:t>                </a:t>
+            </a:r>
+            <a:r>
+              <a:rPr lang="en-GB" sz="1400" b="1" dirty="0">
                 <a:latin typeface="Consolas" panose="020B0609020204030204" pitchFamily="49" charset="0"/>
                 <a:cs typeface="Consolas" panose="020B0609020204030204" pitchFamily="49" charset="0"/>
               </a:rPr>
-              <a:t>            break;</a:t>
-            </a:r>
-          </a:p>
-          <a:p>
-            <a:r>
-              <a:rPr lang="en-GB" sz="1600" b="1" dirty="0">
-                <a:effectLst/>
+              <a:t>countries = countries.</a:t>
+            </a:r>
+            <a:r>
+              <a:rPr lang="en-GB" sz="1400" b="1" dirty="0">
+                <a:solidFill>
+                  <a:schemeClr val="bg1"/>
+                </a:solidFill>
                 <a:latin typeface="Consolas" panose="020B0609020204030204" pitchFamily="49" charset="0"/>
                 <a:cs typeface="Consolas" panose="020B0609020204030204" pitchFamily="49" charset="0"/>
               </a:rPr>
-              <a:t>        case "Id (</a:t>
-            </a:r>
-            <a:r>
-              <a:rPr lang="bg-BG" sz="1600" b="1" dirty="0">
-                <a:effectLst/>
+              <a:t>OrderByDescending</a:t>
+            </a:r>
+            <a:r>
+              <a:rPr lang="en-GB" sz="1400" b="1" dirty="0">
                 <a:latin typeface="Consolas" panose="020B0609020204030204" pitchFamily="49" charset="0"/>
                 <a:cs typeface="Consolas" panose="020B0609020204030204" pitchFamily="49" charset="0"/>
               </a:rPr>
-              <a:t>възходящо)":</a:t>
-            </a:r>
-          </a:p>
-          <a:p>
-            <a:r>
-              <a:rPr lang="bg-BG" sz="1600" b="1" dirty="0">
-                <a:effectLst/>
+              <a:t>(c =&gt; c.CountryName);</a:t>
+            </a:r>
+          </a:p>
+          <a:p>
+            <a:r>
+              <a:rPr lang="en-GB" sz="1400" b="1" dirty="0">
                 <a:latin typeface="Consolas" panose="020B0609020204030204" pitchFamily="49" charset="0"/>
                 <a:cs typeface="Consolas" panose="020B0609020204030204" pitchFamily="49" charset="0"/>
               </a:rPr>
-              <a:t>    </a:t>
-            </a:r>
-            <a:r>
-              <a:rPr lang="en-US" sz="1600" b="1" dirty="0">
-                <a:effectLst/>
+              <a:t>                break;</a:t>
+            </a:r>
+          </a:p>
+          <a:p>
+            <a:r>
+              <a:rPr lang="en-GB" sz="1400" b="1" dirty="0">
                 <a:latin typeface="Consolas" panose="020B0609020204030204" pitchFamily="49" charset="0"/>
                 <a:cs typeface="Consolas" panose="020B0609020204030204" pitchFamily="49" charset="0"/>
               </a:rPr>
-              <a:t>        </a:t>
-            </a:r>
-            <a:r>
-              <a:rPr lang="en-GB" sz="1600" b="1" dirty="0">
-                <a:effectLst/>
+              <a:t>            case "Id (</a:t>
+            </a:r>
+            <a:r>
+              <a:rPr lang="bg-BG" sz="1400" b="1" dirty="0">
                 <a:latin typeface="Consolas" panose="020B0609020204030204" pitchFamily="49" charset="0"/>
                 <a:cs typeface="Consolas" panose="020B0609020204030204" pitchFamily="49" charset="0"/>
               </a:rPr>
-              <a:t>countries = countries.OrderBy(c =&gt; c.CountryId);</a:t>
-            </a:r>
-          </a:p>
-          <a:p>
-            <a:r>
-              <a:rPr lang="en-GB" sz="1600" b="1" dirty="0">
-                <a:effectLst/>
+              <a:t>възходящо)":</a:t>
+            </a:r>
+          </a:p>
+          <a:p>
+            <a:r>
+              <a:rPr lang="bg-BG" sz="1400" b="1" dirty="0">
                 <a:latin typeface="Consolas" panose="020B0609020204030204" pitchFamily="49" charset="0"/>
                 <a:cs typeface="Consolas" panose="020B0609020204030204" pitchFamily="49" charset="0"/>
               </a:rPr>
-              <a:t>            break;</a:t>
-            </a:r>
-          </a:p>
-          <a:p>
-            <a:r>
-              <a:rPr lang="en-GB" sz="1600" b="1" dirty="0">
-                <a:effectLst/>
+              <a:t>                </a:t>
+            </a:r>
+            <a:r>
+              <a:rPr lang="en-GB" sz="1400" b="1" dirty="0">
                 <a:latin typeface="Consolas" panose="020B0609020204030204" pitchFamily="49" charset="0"/>
                 <a:cs typeface="Consolas" panose="020B0609020204030204" pitchFamily="49" charset="0"/>
               </a:rPr>
-              <a:t>         case "Id (</a:t>
-            </a:r>
-            <a:r>
-              <a:rPr lang="bg-BG" sz="1600" b="1" dirty="0">
-                <a:effectLst/>
+              <a:t>countries = countries.</a:t>
+            </a:r>
+            <a:r>
+              <a:rPr lang="en-GB" sz="1400" b="1" dirty="0">
+                <a:solidFill>
+                  <a:schemeClr val="bg1"/>
+                </a:solidFill>
                 <a:latin typeface="Consolas" panose="020B0609020204030204" pitchFamily="49" charset="0"/>
                 <a:cs typeface="Consolas" panose="020B0609020204030204" pitchFamily="49" charset="0"/>
               </a:rPr>
-              <a:t>низходящо)":</a:t>
-            </a:r>
-          </a:p>
-          <a:p>
-            <a:r>
-              <a:rPr lang="bg-BG" sz="1600" b="1" dirty="0">
-                <a:effectLst/>
+              <a:t>OrderBy</a:t>
+            </a:r>
+            <a:r>
+              <a:rPr lang="en-GB" sz="1400" b="1" dirty="0">
                 <a:latin typeface="Consolas" panose="020B0609020204030204" pitchFamily="49" charset="0"/>
                 <a:cs typeface="Consolas" panose="020B0609020204030204" pitchFamily="49" charset="0"/>
               </a:rPr>
-              <a:t>    </a:t>
-            </a:r>
-            <a:r>
-              <a:rPr lang="en-US" sz="1600" b="1" dirty="0">
-                <a:effectLst/>
+              <a:t>(c =&gt; c.CountryId);</a:t>
+            </a:r>
+          </a:p>
+          <a:p>
+            <a:r>
+              <a:rPr lang="en-GB" sz="1400" b="1" dirty="0">
                 <a:latin typeface="Consolas" panose="020B0609020204030204" pitchFamily="49" charset="0"/>
                 <a:cs typeface="Consolas" panose="020B0609020204030204" pitchFamily="49" charset="0"/>
               </a:rPr>
-              <a:t>        </a:t>
-            </a:r>
-            <a:r>
-              <a:rPr lang="en-GB" sz="1600" b="1" dirty="0">
-                <a:effectLst/>
+              <a:t>                break;</a:t>
+            </a:r>
+          </a:p>
+          <a:p>
+            <a:r>
+              <a:rPr lang="en-GB" sz="1400" b="1" dirty="0">
                 <a:latin typeface="Consolas" panose="020B0609020204030204" pitchFamily="49" charset="0"/>
                 <a:cs typeface="Consolas" panose="020B0609020204030204" pitchFamily="49" charset="0"/>
               </a:rPr>
-              <a:t>countries = countries.OrderByDescending(c =&gt; c.CountryId);</a:t>
-            </a:r>
-          </a:p>
-          <a:p>
-            <a:r>
-              <a:rPr lang="en-GB" sz="1600" b="1" dirty="0">
-                <a:effectLst/>
+              <a:t>            case "Id (</a:t>
+            </a:r>
+            <a:r>
+              <a:rPr lang="bg-BG" sz="1400" b="1" dirty="0">
                 <a:latin typeface="Consolas" panose="020B0609020204030204" pitchFamily="49" charset="0"/>
                 <a:cs typeface="Consolas" panose="020B0609020204030204" pitchFamily="49" charset="0"/>
               </a:rPr>
-              <a:t>            break;</a:t>
-            </a:r>
-          </a:p>
-          <a:p>
-            <a:r>
-              <a:rPr lang="en-GB" sz="1600" b="1" dirty="0">
-                <a:effectLst/>
+              <a:t>низходящо)":</a:t>
+            </a:r>
+          </a:p>
+          <a:p>
+            <a:r>
+              <a:rPr lang="bg-BG" sz="1400" b="1" dirty="0">
                 <a:latin typeface="Consolas" panose="020B0609020204030204" pitchFamily="49" charset="0"/>
                 <a:cs typeface="Consolas" panose="020B0609020204030204" pitchFamily="49" charset="0"/>
               </a:rPr>
-              <a:t>    }</a:t>
-            </a:r>
-          </a:p>
-          <a:p>
-            <a:r>
-              <a:rPr lang="en-GB" sz="1600" b="1" dirty="0">
-                <a:effectLst/>
+              <a:t>                </a:t>
+            </a:r>
+            <a:r>
+              <a:rPr lang="en-GB" sz="1400" b="1" dirty="0">
                 <a:latin typeface="Consolas" panose="020B0609020204030204" pitchFamily="49" charset="0"/>
                 <a:cs typeface="Consolas" panose="020B0609020204030204" pitchFamily="49" charset="0"/>
               </a:rPr>
-              <a:t>    this.dataGridViewCountries.DataSource = countries.ToList();</a:t>
-            </a:r>
-          </a:p>
-          <a:p>
-            <a:r>
-              <a:rPr lang="en-GB" sz="1600" b="1" dirty="0">
-                <a:effectLst/>
+              <a:t>countries = countries.</a:t>
+            </a:r>
+            <a:r>
+              <a:rPr lang="en-GB" sz="1400" b="1" dirty="0">
+                <a:solidFill>
+                  <a:schemeClr val="bg1"/>
+                </a:solidFill>
+                <a:latin typeface="Consolas" panose="020B0609020204030204" pitchFamily="49" charset="0"/>
+                <a:cs typeface="Consolas" panose="020B0609020204030204" pitchFamily="49" charset="0"/>
+              </a:rPr>
+              <a:t>OrderByDescending</a:t>
+            </a:r>
+            <a:r>
+              <a:rPr lang="en-GB" sz="1400" b="1" dirty="0">
+                <a:latin typeface="Consolas" panose="020B0609020204030204" pitchFamily="49" charset="0"/>
+                <a:cs typeface="Consolas" panose="020B0609020204030204" pitchFamily="49" charset="0"/>
+              </a:rPr>
+              <a:t>(c =&gt; c.CountryId);</a:t>
+            </a:r>
+          </a:p>
+          <a:p>
+            <a:r>
+              <a:rPr lang="en-GB" sz="1400" b="1" dirty="0">
+                <a:latin typeface="Consolas" panose="020B0609020204030204" pitchFamily="49" charset="0"/>
+                <a:cs typeface="Consolas" panose="020B0609020204030204" pitchFamily="49" charset="0"/>
+              </a:rPr>
+              <a:t>                break;</a:t>
+            </a:r>
+          </a:p>
+          <a:p>
+            <a:r>
+              <a:rPr lang="en-GB" sz="1400" b="1" dirty="0">
+                <a:latin typeface="Consolas" panose="020B0609020204030204" pitchFamily="49" charset="0"/>
+                <a:cs typeface="Consolas" panose="020B0609020204030204" pitchFamily="49" charset="0"/>
+              </a:rPr>
+              <a:t>        }</a:t>
+            </a:r>
+          </a:p>
+          <a:p>
+            <a:r>
+              <a:rPr lang="en-GB" sz="1400" b="1" dirty="0">
+                <a:latin typeface="Consolas" panose="020B0609020204030204" pitchFamily="49" charset="0"/>
+                <a:cs typeface="Consolas" panose="020B0609020204030204" pitchFamily="49" charset="0"/>
+              </a:rPr>
+              <a:t>        this.</a:t>
+            </a:r>
+            <a:r>
+              <a:rPr lang="en-GB" sz="1400" b="1" dirty="0">
+                <a:solidFill>
+                  <a:schemeClr val="bg1"/>
+                </a:solidFill>
+                <a:latin typeface="Consolas" panose="020B0609020204030204" pitchFamily="49" charset="0"/>
+                <a:cs typeface="Consolas" panose="020B0609020204030204" pitchFamily="49" charset="0"/>
+              </a:rPr>
+              <a:t> </a:t>
+            </a:r>
+            <a:r>
+              <a:rPr lang="en-GB" sz="1400" b="1" dirty="0" err="1">
+                <a:solidFill>
+                  <a:schemeClr val="bg1"/>
+                </a:solidFill>
+                <a:latin typeface="Consolas" panose="020B0609020204030204" pitchFamily="49" charset="0"/>
+                <a:cs typeface="Consolas" panose="020B0609020204030204" pitchFamily="49" charset="0"/>
+              </a:rPr>
+              <a:t>countryBindingSource</a:t>
+            </a:r>
+            <a:r>
+              <a:rPr lang="en-GB" sz="1400" b="1" dirty="0" err="1">
+                <a:latin typeface="Consolas" panose="020B0609020204030204" pitchFamily="49" charset="0"/>
+                <a:cs typeface="Consolas" panose="020B0609020204030204" pitchFamily="49" charset="0"/>
+              </a:rPr>
+              <a:t>.</a:t>
+            </a:r>
+            <a:r>
+              <a:rPr lang="en-GB" sz="1400" b="1" dirty="0" err="1">
+                <a:solidFill>
+                  <a:schemeClr val="bg1"/>
+                </a:solidFill>
+                <a:latin typeface="Consolas" panose="020B0609020204030204" pitchFamily="49" charset="0"/>
+                <a:cs typeface="Consolas" panose="020B0609020204030204" pitchFamily="49" charset="0"/>
+              </a:rPr>
+              <a:t>DataSource</a:t>
+            </a:r>
+            <a:r>
+              <a:rPr lang="en-GB" sz="1400" b="1" dirty="0">
+                <a:latin typeface="Consolas" panose="020B0609020204030204" pitchFamily="49" charset="0"/>
+                <a:cs typeface="Consolas" panose="020B0609020204030204" pitchFamily="49" charset="0"/>
+              </a:rPr>
+              <a:t> = </a:t>
+            </a:r>
+            <a:r>
+              <a:rPr lang="en-GB" sz="1400" b="1" dirty="0">
+                <a:solidFill>
+                  <a:schemeClr val="bg1"/>
+                </a:solidFill>
+                <a:latin typeface="Consolas" panose="020B0609020204030204" pitchFamily="49" charset="0"/>
+                <a:cs typeface="Consolas" panose="020B0609020204030204" pitchFamily="49" charset="0"/>
+              </a:rPr>
+              <a:t>countries</a:t>
+            </a:r>
+            <a:r>
+              <a:rPr lang="en-GB" sz="1400" b="1" dirty="0">
+                <a:latin typeface="Consolas" panose="020B0609020204030204" pitchFamily="49" charset="0"/>
+                <a:cs typeface="Consolas" panose="020B0609020204030204" pitchFamily="49" charset="0"/>
+              </a:rPr>
+              <a:t>.ToList();</a:t>
+            </a:r>
+          </a:p>
+          <a:p>
+            <a:r>
+              <a:rPr lang="en-GB" sz="1400" b="1" dirty="0">
+                <a:latin typeface="Consolas" panose="020B0609020204030204" pitchFamily="49" charset="0"/>
+                <a:cs typeface="Consolas" panose="020B0609020204030204" pitchFamily="49" charset="0"/>
+              </a:rPr>
+              <a:t>    }</a:t>
+            </a:r>
+          </a:p>
+          <a:p>
+            <a:r>
+              <a:rPr lang="en-GB" sz="1400" b="1" dirty="0">
                 <a:latin typeface="Consolas" panose="020B0609020204030204" pitchFamily="49" charset="0"/>
                 <a:cs typeface="Consolas" panose="020B0609020204030204" pitchFamily="49" charset="0"/>
               </a:rPr>
@@ -21174,7 +21486,7 @@
             </a:r>
             <a:r>
               <a:rPr lang="en-US" sz="2800" b="1" dirty="0"/>
-              <a:t>F</a:t>
+              <a:t>F Core</a:t>
             </a:r>
             <a:endParaRPr lang="bg-BG" sz="2800" b="1" dirty="0"/>
           </a:p>
@@ -25049,7 +25361,7 @@
             </a:r>
             <a:r>
               <a:rPr lang="en-US" sz="4400" dirty="0"/>
-              <a:t>Entity Framework</a:t>
+              <a:t>Entity Framework Core</a:t>
             </a:r>
           </a:p>
         </p:txBody>
